--- a/CS2100/CS2100 Tutorial 2.pptx
+++ b/CS2100/CS2100 Tutorial 2.pptx
@@ -5,7 +5,7 @@
     <p:sldMasterId id="2147483648" r:id="rId1"/>
   </p:sldMasterIdLst>
   <p:notesMasterIdLst>
-    <p:notesMasterId r:id="rId24"/>
+    <p:notesMasterId r:id="rId26"/>
   </p:notesMasterIdLst>
   <p:sldIdLst>
     <p:sldId id="256" r:id="rId2"/>
@@ -24,12 +24,14 @@
     <p:sldId id="302" r:id="rId15"/>
     <p:sldId id="303" r:id="rId16"/>
     <p:sldId id="304" r:id="rId17"/>
-    <p:sldId id="305" r:id="rId18"/>
-    <p:sldId id="306" r:id="rId19"/>
-    <p:sldId id="307" r:id="rId20"/>
-    <p:sldId id="308" r:id="rId21"/>
-    <p:sldId id="298" r:id="rId22"/>
-    <p:sldId id="288" r:id="rId23"/>
+    <p:sldId id="309" r:id="rId18"/>
+    <p:sldId id="305" r:id="rId19"/>
+    <p:sldId id="306" r:id="rId20"/>
+    <p:sldId id="307" r:id="rId21"/>
+    <p:sldId id="308" r:id="rId22"/>
+    <p:sldId id="310" r:id="rId23"/>
+    <p:sldId id="298" r:id="rId24"/>
+    <p:sldId id="288" r:id="rId25"/>
   </p:sldIdLst>
   <p:sldSz cx="12192000" cy="6858000"/>
   <p:notesSz cx="6858000" cy="9144000"/>
@@ -218,7 +220,7 @@
           <a:p>
             <a:fld id="{88602102-26BC-4ECA-9243-6BB9B8BC366F}" type="datetimeFigureOut">
               <a:rPr lang="en-US" smtClean="0"/>
-              <a:t>9/2/2024</a:t>
+              <a:t>9/5/2024</a:t>
             </a:fld>
             <a:endParaRPr lang="en-US"/>
           </a:p>
@@ -569,6 +571,90 @@
 </p:notes>
 </file>
 
+<file path=ppt/notesSlides/notesSlide10.xml><?xml version="1.0" encoding="utf-8"?>
+<p:notes xmlns:a="http://schemas.openxmlformats.org/drawingml/2006/main" xmlns:r="http://schemas.openxmlformats.org/officeDocument/2006/relationships" xmlns:p="http://schemas.openxmlformats.org/presentationml/2006/main">
+  <p:cSld>
+    <p:spTree>
+      <p:nvGrpSpPr>
+        <p:cNvPr id="1" name=""/>
+        <p:cNvGrpSpPr/>
+        <p:nvPr/>
+      </p:nvGrpSpPr>
+      <p:grpSpPr>
+        <a:xfrm>
+          <a:off x="0" y="0"/>
+          <a:ext cx="0" cy="0"/>
+          <a:chOff x="0" y="0"/>
+          <a:chExt cx="0" cy="0"/>
+        </a:xfrm>
+      </p:grpSpPr>
+      <p:sp>
+        <p:nvSpPr>
+          <p:cNvPr id="2" name="Slide Image Placeholder 1"/>
+          <p:cNvSpPr>
+            <a:spLocks noGrp="1" noRot="1" noChangeAspect="1"/>
+          </p:cNvSpPr>
+          <p:nvPr>
+            <p:ph type="sldImg"/>
+          </p:nvPr>
+        </p:nvSpPr>
+        <p:spPr/>
+      </p:sp>
+      <p:sp>
+        <p:nvSpPr>
+          <p:cNvPr id="3" name="Notes Placeholder 2"/>
+          <p:cNvSpPr>
+            <a:spLocks noGrp="1"/>
+          </p:cNvSpPr>
+          <p:nvPr>
+            <p:ph type="body" idx="1"/>
+          </p:nvPr>
+        </p:nvSpPr>
+        <p:spPr/>
+        <p:txBody>
+          <a:bodyPr/>
+          <a:lstStyle/>
+          <a:p>
+            <a:endParaRPr lang="en-US" dirty="0"/>
+          </a:p>
+        </p:txBody>
+      </p:sp>
+      <p:sp>
+        <p:nvSpPr>
+          <p:cNvPr id="4" name="Slide Number Placeholder 3"/>
+          <p:cNvSpPr>
+            <a:spLocks noGrp="1"/>
+          </p:cNvSpPr>
+          <p:nvPr>
+            <p:ph type="sldNum" sz="quarter" idx="5"/>
+          </p:nvPr>
+        </p:nvSpPr>
+        <p:spPr/>
+        <p:txBody>
+          <a:bodyPr/>
+          <a:lstStyle/>
+          <a:p>
+            <a:fld id="{D17C5EEA-D671-4453-97C7-AF6A67BC87D3}" type="slidenum">
+              <a:rPr lang="en-US" smtClean="0"/>
+              <a:t>24</a:t>
+            </a:fld>
+            <a:endParaRPr lang="en-US"/>
+          </a:p>
+        </p:txBody>
+      </p:sp>
+    </p:spTree>
+    <p:extLst>
+      <p:ext uri="{BB962C8B-B14F-4D97-AF65-F5344CB8AC3E}">
+        <p14:creationId xmlns:p14="http://schemas.microsoft.com/office/powerpoint/2010/main" val="294387586"/>
+      </p:ext>
+    </p:extLst>
+  </p:cSld>
+  <p:clrMapOvr>
+    <a:masterClrMapping/>
+  </p:clrMapOvr>
+</p:notes>
+</file>
+
 <file path=ppt/notesSlides/notesSlide2.xml><?xml version="1.0" encoding="utf-8"?>
 <p:notes xmlns:a="http://schemas.openxmlformats.org/drawingml/2006/main" xmlns:r="http://schemas.openxmlformats.org/officeDocument/2006/relationships" xmlns:p="http://schemas.openxmlformats.org/presentationml/2006/main">
   <p:cSld>
@@ -970,7 +1056,7 @@
           <a:p>
             <a:fld id="{D17C5EEA-D671-4453-97C7-AF6A67BC87D3}" type="slidenum">
               <a:rPr lang="en-US" smtClean="0"/>
-              <a:t>16</a:t>
+              <a:t>12</a:t>
             </a:fld>
             <a:endParaRPr lang="en-US"/>
           </a:p>
@@ -979,7 +1065,7 @@
     </p:spTree>
     <p:extLst>
       <p:ext uri="{BB962C8B-B14F-4D97-AF65-F5344CB8AC3E}">
-        <p14:creationId xmlns:p14="http://schemas.microsoft.com/office/powerpoint/2010/main" val="625782610"/>
+        <p14:creationId xmlns:p14="http://schemas.microsoft.com/office/powerpoint/2010/main" val="4034314292"/>
       </p:ext>
     </p:extLst>
   </p:cSld>
@@ -1033,7 +1119,7 @@
           <a:bodyPr/>
           <a:lstStyle/>
           <a:p>
-            <a:endParaRPr lang="en-US" dirty="0"/>
+            <a:endParaRPr lang="en-SG"/>
           </a:p>
         </p:txBody>
       </p:sp>
@@ -1054,7 +1140,7 @@
           <a:p>
             <a:fld id="{D17C5EEA-D671-4453-97C7-AF6A67BC87D3}" type="slidenum">
               <a:rPr lang="en-US" smtClean="0"/>
-              <a:t>22</a:t>
+              <a:t>13</a:t>
             </a:fld>
             <a:endParaRPr lang="en-US"/>
           </a:p>
@@ -1063,7 +1149,175 @@
     </p:spTree>
     <p:extLst>
       <p:ext uri="{BB962C8B-B14F-4D97-AF65-F5344CB8AC3E}">
-        <p14:creationId xmlns:p14="http://schemas.microsoft.com/office/powerpoint/2010/main" val="294387586"/>
+        <p14:creationId xmlns:p14="http://schemas.microsoft.com/office/powerpoint/2010/main" val="2157502947"/>
+      </p:ext>
+    </p:extLst>
+  </p:cSld>
+  <p:clrMapOvr>
+    <a:masterClrMapping/>
+  </p:clrMapOvr>
+</p:notes>
+</file>
+
+<file path=ppt/notesSlides/notesSlide8.xml><?xml version="1.0" encoding="utf-8"?>
+<p:notes xmlns:a="http://schemas.openxmlformats.org/drawingml/2006/main" xmlns:r="http://schemas.openxmlformats.org/officeDocument/2006/relationships" xmlns:p="http://schemas.openxmlformats.org/presentationml/2006/main">
+  <p:cSld>
+    <p:spTree>
+      <p:nvGrpSpPr>
+        <p:cNvPr id="1" name=""/>
+        <p:cNvGrpSpPr/>
+        <p:nvPr/>
+      </p:nvGrpSpPr>
+      <p:grpSpPr>
+        <a:xfrm>
+          <a:off x="0" y="0"/>
+          <a:ext cx="0" cy="0"/>
+          <a:chOff x="0" y="0"/>
+          <a:chExt cx="0" cy="0"/>
+        </a:xfrm>
+      </p:grpSpPr>
+      <p:sp>
+        <p:nvSpPr>
+          <p:cNvPr id="2" name="Slide Image Placeholder 1"/>
+          <p:cNvSpPr>
+            <a:spLocks noGrp="1" noRot="1" noChangeAspect="1"/>
+          </p:cNvSpPr>
+          <p:nvPr>
+            <p:ph type="sldImg"/>
+          </p:nvPr>
+        </p:nvSpPr>
+        <p:spPr/>
+      </p:sp>
+      <p:sp>
+        <p:nvSpPr>
+          <p:cNvPr id="3" name="Notes Placeholder 2"/>
+          <p:cNvSpPr>
+            <a:spLocks noGrp="1"/>
+          </p:cNvSpPr>
+          <p:nvPr>
+            <p:ph type="body" idx="1"/>
+          </p:nvPr>
+        </p:nvSpPr>
+        <p:spPr/>
+        <p:txBody>
+          <a:bodyPr/>
+          <a:lstStyle/>
+          <a:p>
+            <a:endParaRPr lang="en-SG"/>
+          </a:p>
+        </p:txBody>
+      </p:sp>
+      <p:sp>
+        <p:nvSpPr>
+          <p:cNvPr id="4" name="Slide Number Placeholder 3"/>
+          <p:cNvSpPr>
+            <a:spLocks noGrp="1"/>
+          </p:cNvSpPr>
+          <p:nvPr>
+            <p:ph type="sldNum" sz="quarter" idx="5"/>
+          </p:nvPr>
+        </p:nvSpPr>
+        <p:spPr/>
+        <p:txBody>
+          <a:bodyPr/>
+          <a:lstStyle/>
+          <a:p>
+            <a:fld id="{D17C5EEA-D671-4453-97C7-AF6A67BC87D3}" type="slidenum">
+              <a:rPr lang="en-US" smtClean="0"/>
+              <a:t>16</a:t>
+            </a:fld>
+            <a:endParaRPr lang="en-US"/>
+          </a:p>
+        </p:txBody>
+      </p:sp>
+    </p:spTree>
+    <p:extLst>
+      <p:ext uri="{BB962C8B-B14F-4D97-AF65-F5344CB8AC3E}">
+        <p14:creationId xmlns:p14="http://schemas.microsoft.com/office/powerpoint/2010/main" val="625782610"/>
+      </p:ext>
+    </p:extLst>
+  </p:cSld>
+  <p:clrMapOvr>
+    <a:masterClrMapping/>
+  </p:clrMapOvr>
+</p:notes>
+</file>
+
+<file path=ppt/notesSlides/notesSlide9.xml><?xml version="1.0" encoding="utf-8"?>
+<p:notes xmlns:a="http://schemas.openxmlformats.org/drawingml/2006/main" xmlns:r="http://schemas.openxmlformats.org/officeDocument/2006/relationships" xmlns:p="http://schemas.openxmlformats.org/presentationml/2006/main">
+  <p:cSld>
+    <p:spTree>
+      <p:nvGrpSpPr>
+        <p:cNvPr id="1" name=""/>
+        <p:cNvGrpSpPr/>
+        <p:nvPr/>
+      </p:nvGrpSpPr>
+      <p:grpSpPr>
+        <a:xfrm>
+          <a:off x="0" y="0"/>
+          <a:ext cx="0" cy="0"/>
+          <a:chOff x="0" y="0"/>
+          <a:chExt cx="0" cy="0"/>
+        </a:xfrm>
+      </p:grpSpPr>
+      <p:sp>
+        <p:nvSpPr>
+          <p:cNvPr id="2" name="Slide Image Placeholder 1"/>
+          <p:cNvSpPr>
+            <a:spLocks noGrp="1" noRot="1" noChangeAspect="1"/>
+          </p:cNvSpPr>
+          <p:nvPr>
+            <p:ph type="sldImg"/>
+          </p:nvPr>
+        </p:nvSpPr>
+        <p:spPr/>
+      </p:sp>
+      <p:sp>
+        <p:nvSpPr>
+          <p:cNvPr id="3" name="Notes Placeholder 2"/>
+          <p:cNvSpPr>
+            <a:spLocks noGrp="1"/>
+          </p:cNvSpPr>
+          <p:nvPr>
+            <p:ph type="body" idx="1"/>
+          </p:nvPr>
+        </p:nvSpPr>
+        <p:spPr/>
+        <p:txBody>
+          <a:bodyPr/>
+          <a:lstStyle/>
+          <a:p>
+            <a:endParaRPr lang="en-SG"/>
+          </a:p>
+        </p:txBody>
+      </p:sp>
+      <p:sp>
+        <p:nvSpPr>
+          <p:cNvPr id="4" name="Slide Number Placeholder 3"/>
+          <p:cNvSpPr>
+            <a:spLocks noGrp="1"/>
+          </p:cNvSpPr>
+          <p:nvPr>
+            <p:ph type="sldNum" sz="quarter" idx="5"/>
+          </p:nvPr>
+        </p:nvSpPr>
+        <p:spPr/>
+        <p:txBody>
+          <a:bodyPr/>
+          <a:lstStyle/>
+          <a:p>
+            <a:fld id="{D17C5EEA-D671-4453-97C7-AF6A67BC87D3}" type="slidenum">
+              <a:rPr lang="en-US" smtClean="0"/>
+              <a:t>17</a:t>
+            </a:fld>
+            <a:endParaRPr lang="en-US"/>
+          </a:p>
+        </p:txBody>
+      </p:sp>
+    </p:spTree>
+    <p:extLst>
+      <p:ext uri="{BB962C8B-B14F-4D97-AF65-F5344CB8AC3E}">
+        <p14:creationId xmlns:p14="http://schemas.microsoft.com/office/powerpoint/2010/main" val="4121713725"/>
       </p:ext>
     </p:extLst>
   </p:cSld>
@@ -1224,7 +1478,7 @@
           <a:p>
             <a:fld id="{6CCF18BA-79E2-4428-BC0A-399EA0551CA6}" type="datetimeFigureOut">
               <a:rPr lang="en-US" smtClean="0"/>
-              <a:t>9/2/2024</a:t>
+              <a:t>9/5/2024</a:t>
             </a:fld>
             <a:endParaRPr lang="en-US"/>
           </a:p>
@@ -1454,7 +1708,7 @@
           <a:p>
             <a:fld id="{6CCF18BA-79E2-4428-BC0A-399EA0551CA6}" type="datetimeFigureOut">
               <a:rPr lang="en-US" smtClean="0"/>
-              <a:t>9/2/2024</a:t>
+              <a:t>9/5/2024</a:t>
             </a:fld>
             <a:endParaRPr lang="en-US"/>
           </a:p>
@@ -1694,7 +1948,7 @@
           <a:p>
             <a:fld id="{6CCF18BA-79E2-4428-BC0A-399EA0551CA6}" type="datetimeFigureOut">
               <a:rPr lang="en-US" smtClean="0"/>
-              <a:t>9/2/2024</a:t>
+              <a:t>9/5/2024</a:t>
             </a:fld>
             <a:endParaRPr lang="en-US"/>
           </a:p>
@@ -1924,7 +2178,7 @@
           <a:p>
             <a:fld id="{6CCF18BA-79E2-4428-BC0A-399EA0551CA6}" type="datetimeFigureOut">
               <a:rPr lang="en-US" smtClean="0"/>
-              <a:t>9/2/2024</a:t>
+              <a:t>9/5/2024</a:t>
             </a:fld>
             <a:endParaRPr lang="en-US"/>
           </a:p>
@@ -2202,7 +2456,7 @@
           <a:p>
             <a:fld id="{6CCF18BA-79E2-4428-BC0A-399EA0551CA6}" type="datetimeFigureOut">
               <a:rPr lang="en-US" smtClean="0"/>
-              <a:t>9/2/2024</a:t>
+              <a:t>9/5/2024</a:t>
             </a:fld>
             <a:endParaRPr lang="en-US"/>
           </a:p>
@@ -2525,7 +2779,7 @@
           <a:p>
             <a:fld id="{6CCF18BA-79E2-4428-BC0A-399EA0551CA6}" type="datetimeFigureOut">
               <a:rPr lang="en-US" smtClean="0"/>
-              <a:t>9/2/2024</a:t>
+              <a:t>9/5/2024</a:t>
             </a:fld>
             <a:endParaRPr lang="en-US"/>
           </a:p>
@@ -2999,7 +3253,7 @@
           <a:p>
             <a:fld id="{6CCF18BA-79E2-4428-BC0A-399EA0551CA6}" type="datetimeFigureOut">
               <a:rPr lang="en-US" smtClean="0"/>
-              <a:t>9/2/2024</a:t>
+              <a:t>9/5/2024</a:t>
             </a:fld>
             <a:endParaRPr lang="en-US"/>
           </a:p>
@@ -3146,7 +3400,7 @@
           <a:p>
             <a:fld id="{6CCF18BA-79E2-4428-BC0A-399EA0551CA6}" type="datetimeFigureOut">
               <a:rPr lang="en-US" smtClean="0"/>
-              <a:t>9/2/2024</a:t>
+              <a:t>9/5/2024</a:t>
             </a:fld>
             <a:endParaRPr lang="en-US"/>
           </a:p>
@@ -3259,7 +3513,7 @@
           <a:p>
             <a:fld id="{6CCF18BA-79E2-4428-BC0A-399EA0551CA6}" type="datetimeFigureOut">
               <a:rPr lang="en-US" smtClean="0"/>
-              <a:t>9/2/2024</a:t>
+              <a:t>9/5/2024</a:t>
             </a:fld>
             <a:endParaRPr lang="en-US"/>
           </a:p>
@@ -3584,7 +3838,7 @@
           <a:p>
             <a:fld id="{6CCF18BA-79E2-4428-BC0A-399EA0551CA6}" type="datetimeFigureOut">
               <a:rPr lang="en-US" smtClean="0"/>
-              <a:t>9/2/2024</a:t>
+              <a:t>9/5/2024</a:t>
             </a:fld>
             <a:endParaRPr lang="en-US"/>
           </a:p>
@@ -3876,7 +4130,7 @@
           <a:p>
             <a:fld id="{6CCF18BA-79E2-4428-BC0A-399EA0551CA6}" type="datetimeFigureOut">
               <a:rPr lang="en-US" smtClean="0"/>
-              <a:t>9/2/2024</a:t>
+              <a:t>9/5/2024</a:t>
             </a:fld>
             <a:endParaRPr lang="en-US"/>
           </a:p>
@@ -4117,7 +4371,7 @@
           <a:p>
             <a:fld id="{6CCF18BA-79E2-4428-BC0A-399EA0551CA6}" type="datetimeFigureOut">
               <a:rPr lang="en-US" smtClean="0"/>
-              <a:t>9/2/2024</a:t>
+              <a:t>9/5/2024</a:t>
             </a:fld>
             <a:endParaRPr lang="en-US"/>
           </a:p>
@@ -4594,7 +4848,9 @@
         </p:nvSpPr>
         <p:spPr/>
         <p:txBody>
-          <a:bodyPr/>
+          <a:bodyPr>
+            <a:normAutofit/>
+          </a:bodyPr>
           <a:lstStyle/>
           <a:p>
             <a:r>
@@ -4619,7 +4875,29 @@
                 <a:latin typeface="AndesNeue Alt 2 Book" panose="00000500000000000000" pitchFamily="2" charset="0"/>
               </a:rPr>
             </a:br>
+            <a:endParaRPr lang="en-US">
+              <a:latin typeface="AndesNeue Alt 2 Book" panose="00000500000000000000" pitchFamily="2" charset="0"/>
+            </a:endParaRPr>
+          </a:p>
+          <a:p>
+            <a:r>
+              <a:rPr lang="en-US">
+                <a:solidFill>
+                  <a:schemeClr val="tx1">
+                    <a:lumMod val="95000"/>
+                    <a:lumOff val="5000"/>
+                  </a:schemeClr>
+                </a:solidFill>
+              </a:rPr>
+              <a:t>(Any question before class just come forward; class starts on :05)</a:t>
+            </a:r>
             <a:endParaRPr lang="en-US" dirty="0">
+              <a:solidFill>
+                <a:schemeClr val="tx1">
+                  <a:lumMod val="95000"/>
+                  <a:lumOff val="5000"/>
+                </a:schemeClr>
+              </a:solidFill>
               <a:latin typeface="AndesNeue Alt 2 Book" panose="00000500000000000000" pitchFamily="2" charset="0"/>
             </a:endParaRPr>
           </a:p>
@@ -6230,7 +6508,7 @@
             </a:r>
             <a:r>
               <a:rPr lang="en-SG"/>
-              <a:t>Get everything but bits 1, 3, 7 from a/</a:t>
+              <a:t>Remove bits 1, 3, 7 from a/</a:t>
             </a:r>
             <a:r>
               <a:rPr lang="en-SG" sz="2400">
@@ -6239,18 +6517,6 @@
                 <a:cs typeface="Iosevka Extended" panose="02000509030000000004" pitchFamily="49" charset="0"/>
               </a:rPr>
               <a:t>$s0</a:t>
-            </a:r>
-            <a:r>
-              <a:rPr lang="en-SG"/>
-              <a:t> to </a:t>
-            </a:r>
-            <a:r>
-              <a:rPr lang="en-SG" sz="2400">
-                <a:latin typeface="Iosevka Extended" panose="02000509030000000004" pitchFamily="49" charset="0"/>
-                <a:ea typeface="Iosevka Extended" panose="02000509030000000004" pitchFamily="49" charset="0"/>
-                <a:cs typeface="Iosevka Extended" panose="02000509030000000004" pitchFamily="49" charset="0"/>
-              </a:rPr>
-              <a:t>$t1</a:t>
             </a:r>
             <a:endParaRPr lang="en-SG"/>
           </a:p>
@@ -6916,7 +7182,7 @@
             </a:r>
             <a:r>
               <a:rPr lang="en-SG"/>
-              <a:t>Get everything but bits 1, 3, 7 from a/</a:t>
+              <a:t>Remove bits 1, 3, 7 from a/</a:t>
             </a:r>
             <a:r>
               <a:rPr lang="en-SG" sz="2400">
@@ -6928,17 +7194,8 @@
             </a:r>
             <a:r>
               <a:rPr lang="en-SG"/>
-              <a:t> to </a:t>
-            </a:r>
-            <a:r>
-              <a:rPr lang="en-SG" sz="2400">
-                <a:latin typeface="Iosevka Extended" panose="02000509030000000004" pitchFamily="49" charset="0"/>
-                <a:ea typeface="Iosevka Extended" panose="02000509030000000004" pitchFamily="49" charset="0"/>
-                <a:cs typeface="Iosevka Extended" panose="02000509030000000004" pitchFamily="49" charset="0"/>
-              </a:rPr>
-              <a:t>$t1</a:t>
-            </a:r>
-            <a:endParaRPr lang="en-SG"/>
+              <a:t> </a:t>
+            </a:r>
           </a:p>
           <a:p>
             <a:pPr marL="0" indent="0">
@@ -6960,7 +7217,7 @@
                 <a:ea typeface="Iosevka Extended" panose="02000509030000000004" pitchFamily="49" charset="0"/>
                 <a:cs typeface="Iosevka Extended" panose="02000509030000000004" pitchFamily="49" charset="0"/>
               </a:rPr>
-              <a:t>$s1 	= … 1 </a:t>
+              <a:t>$s0 		= … 1 </a:t>
             </a:r>
             <a:r>
               <a:rPr lang="en-SG" sz="2400" u="sng">
@@ -7030,7 +7287,7 @@
                 <a:ea typeface="Iosevka Extended" panose="02000509030000000004" pitchFamily="49" charset="0"/>
                 <a:cs typeface="Iosevka Extended" panose="02000509030000000004" pitchFamily="49" charset="0"/>
               </a:rPr>
-              <a:t>mask	= … 1 0 1 1 1 0 1 0 1 </a:t>
+              <a:t>mask/$t1	= … 1 0 1 1 1 0 1 0 1 </a:t>
             </a:r>
           </a:p>
           <a:p>
@@ -7043,7 +7300,7 @@
                 <a:ea typeface="Iosevka Extended" panose="02000509030000000004" pitchFamily="49" charset="0"/>
                 <a:cs typeface="Iosevka Extended" panose="02000509030000000004" pitchFamily="49" charset="0"/>
               </a:rPr>
-              <a:t>$t1 	= … 1 </a:t>
+              <a:t>$s0 		= … 1 </a:t>
             </a:r>
             <a:r>
               <a:rPr lang="en-SG" sz="2400">
@@ -7769,7 +8026,7 @@
                 <a:ea typeface="Iosevka Extended" panose="02000509030000000004" pitchFamily="49" charset="0"/>
                 <a:cs typeface="Iosevka Extended" panose="02000509030000000004" pitchFamily="49" charset="0"/>
               </a:rPr>
-              <a:t>$t0 OR $t1</a:t>
+              <a:t>$t0 OR $s0</a:t>
             </a:r>
           </a:p>
           <a:p>
@@ -8604,7 +8861,7 @@
             </a:pPr>
             <a:r>
               <a:rPr lang="en-SG"/>
-              <a:t>Clear bits 2, 4, and 8 of c/$s2, and put in $t1</a:t>
+              <a:t>Clear bits 2, 4, and 8 of c/$s2</a:t>
             </a:r>
           </a:p>
           <a:p>
@@ -8613,7 +8870,7 @@
             </a:pPr>
             <a:r>
               <a:rPr lang="en-SG"/>
-              <a:t>Answer is $t0 OR $t1</a:t>
+              <a:t>Answer is $t0 OR $s2</a:t>
             </a:r>
           </a:p>
         </p:txBody>
@@ -8700,6 +8957,1329 @@
           <p:cNvPr id="2" name="Title 1">
             <a:extLst>
               <a:ext uri="{FF2B5EF4-FFF2-40B4-BE49-F238E27FC236}">
+                <a16:creationId xmlns:a16="http://schemas.microsoft.com/office/drawing/2014/main" id="{CE21BC44-C87E-ADC6-969B-AF9E26B8577A}"/>
+              </a:ext>
+            </a:extLst>
+          </p:cNvPr>
+          <p:cNvSpPr>
+            <a:spLocks noGrp="1"/>
+          </p:cNvSpPr>
+          <p:nvPr>
+            <p:ph type="title"/>
+          </p:nvPr>
+        </p:nvSpPr>
+        <p:spPr/>
+        <p:txBody>
+          <a:bodyPr/>
+          <a:lstStyle/>
+          <a:p>
+            <a:r>
+              <a:rPr lang="en-SG"/>
+              <a:t>Q2: MIPS Bitwise Operations</a:t>
+            </a:r>
+          </a:p>
+        </p:txBody>
+      </p:sp>
+      <p:sp>
+        <p:nvSpPr>
+          <p:cNvPr id="3" name="Content Placeholder 2">
+            <a:extLst>
+              <a:ext uri="{FF2B5EF4-FFF2-40B4-BE49-F238E27FC236}">
+                <a16:creationId xmlns:a16="http://schemas.microsoft.com/office/drawing/2014/main" id="{3AEC3CF3-934E-CDAA-47E7-41EC454EFF68}"/>
+              </a:ext>
+            </a:extLst>
+          </p:cNvPr>
+          <p:cNvSpPr>
+            <a:spLocks noGrp="1"/>
+          </p:cNvSpPr>
+          <p:nvPr>
+            <p:ph idx="1"/>
+          </p:nvPr>
+        </p:nvSpPr>
+        <p:spPr/>
+        <p:txBody>
+          <a:bodyPr/>
+          <a:lstStyle/>
+          <a:p>
+            <a:pPr marL="0" indent="0">
+              <a:buNone/>
+            </a:pPr>
+            <a:r>
+              <a:rPr lang="en-SG"/>
+              <a:t>c) Make bits 2, 4, and 8 of c the inverse of bits 1, 3, and 7 of b</a:t>
+            </a:r>
+          </a:p>
+          <a:p>
+            <a:pPr marL="0" indent="0">
+              <a:buNone/>
+            </a:pPr>
+            <a:endParaRPr lang="en-SG"/>
+          </a:p>
+          <a:p>
+            <a:pPr marL="0" indent="0">
+              <a:buNone/>
+            </a:pPr>
+            <a:r>
+              <a:rPr lang="en-SG"/>
+              <a:t>Prof's process:</a:t>
+            </a:r>
+          </a:p>
+          <a:p>
+            <a:pPr marL="514350" indent="-514350">
+              <a:buAutoNum type="arabicPeriod"/>
+            </a:pPr>
+            <a:r>
+              <a:rPr lang="en-SG"/>
+              <a:t>Flip bits 1, 3, and 7</a:t>
+            </a:r>
+          </a:p>
+          <a:p>
+            <a:pPr marL="514350" indent="-514350">
+              <a:buAutoNum type="arabicPeriod"/>
+            </a:pPr>
+            <a:r>
+              <a:rPr lang="en-SG"/>
+              <a:t>Get bits 1, 3, and 7</a:t>
+            </a:r>
+          </a:p>
+          <a:p>
+            <a:pPr marL="514350" indent="-514350">
+              <a:buAutoNum type="arabicPeriod"/>
+            </a:pPr>
+            <a:r>
+              <a:rPr lang="en-SG"/>
+              <a:t>Shift one position left</a:t>
+            </a:r>
+          </a:p>
+          <a:p>
+            <a:pPr marL="514350" indent="-514350">
+              <a:buAutoNum type="arabicPeriod"/>
+            </a:pPr>
+            <a:r>
+              <a:rPr lang="en-SG"/>
+              <a:t>Clear bits 2, 4, and 8 of c/$s2</a:t>
+            </a:r>
+          </a:p>
+          <a:p>
+            <a:pPr marL="514350" indent="-514350">
+              <a:buAutoNum type="arabicPeriod"/>
+            </a:pPr>
+            <a:r>
+              <a:rPr lang="en-SG"/>
+              <a:t>OR to get the answer</a:t>
+            </a:r>
+          </a:p>
+        </p:txBody>
+      </p:sp>
+      <p:sp>
+        <p:nvSpPr>
+          <p:cNvPr id="4" name="TextBox 3">
+            <a:extLst>
+              <a:ext uri="{FF2B5EF4-FFF2-40B4-BE49-F238E27FC236}">
+                <a16:creationId xmlns:a16="http://schemas.microsoft.com/office/drawing/2014/main" id="{8EB13CE0-1DBD-B8B3-3FCF-E97CD8F90F06}"/>
+              </a:ext>
+            </a:extLst>
+          </p:cNvPr>
+          <p:cNvSpPr txBox="1"/>
+          <p:nvPr/>
+        </p:nvSpPr>
+        <p:spPr>
+          <a:xfrm>
+            <a:off x="6540102" y="3201075"/>
+            <a:ext cx="4131141" cy="1600438"/>
+          </a:xfrm>
+          <a:prstGeom prst="rect">
+            <a:avLst/>
+          </a:prstGeom>
+          <a:noFill/>
+          <a:ln>
+            <a:solidFill>
+              <a:schemeClr val="tx1"/>
+            </a:solidFill>
+          </a:ln>
+        </p:spPr>
+        <p:txBody>
+          <a:bodyPr wrap="square" rtlCol="0">
+            <a:spAutoFit/>
+          </a:bodyPr>
+          <a:lstStyle/>
+          <a:p>
+            <a:pPr>
+              <a:tabLst>
+                <a:tab pos="3886200" algn="l"/>
+              </a:tabLst>
+            </a:pPr>
+            <a:r>
+              <a:rPr lang="en-US" sz="1400" dirty="0" err="1">
+                <a:solidFill>
+                  <a:srgbClr val="006600"/>
+                </a:solidFill>
+                <a:latin typeface="Iosevka Extended" panose="02000509030000000004" pitchFamily="49" charset="0"/>
+                <a:ea typeface="Iosevka Extended" panose="02000509030000000004" pitchFamily="49" charset="0"/>
+                <a:cs typeface="Iosevka Extended" panose="02000509030000000004" pitchFamily="49" charset="0"/>
+              </a:rPr>
+              <a:t>xori</a:t>
+            </a:r>
+            <a:r>
+              <a:rPr lang="en-US" sz="1400" dirty="0">
+                <a:solidFill>
+                  <a:srgbClr val="006600"/>
+                </a:solidFill>
+                <a:latin typeface="Iosevka Extended" panose="02000509030000000004" pitchFamily="49" charset="0"/>
+                <a:ea typeface="Iosevka Extended" panose="02000509030000000004" pitchFamily="49" charset="0"/>
+                <a:cs typeface="Iosevka Extended" panose="02000509030000000004" pitchFamily="49" charset="0"/>
+              </a:rPr>
+              <a:t>  $</a:t>
+            </a:r>
+            <a:r>
+              <a:rPr lang="en-US" sz="1400" dirty="0" err="1">
+                <a:solidFill>
+                  <a:srgbClr val="006600"/>
+                </a:solidFill>
+                <a:latin typeface="Iosevka Extended" panose="02000509030000000004" pitchFamily="49" charset="0"/>
+                <a:ea typeface="Iosevka Extended" panose="02000509030000000004" pitchFamily="49" charset="0"/>
+                <a:cs typeface="Iosevka Extended" panose="02000509030000000004" pitchFamily="49" charset="0"/>
+              </a:rPr>
+              <a:t>t0</a:t>
+            </a:r>
+            <a:r>
+              <a:rPr lang="en-US" sz="1400" dirty="0">
+                <a:solidFill>
+                  <a:srgbClr val="006600"/>
+                </a:solidFill>
+                <a:latin typeface="Iosevka Extended" panose="02000509030000000004" pitchFamily="49" charset="0"/>
+                <a:ea typeface="Iosevka Extended" panose="02000509030000000004" pitchFamily="49" charset="0"/>
+                <a:cs typeface="Iosevka Extended" panose="02000509030000000004" pitchFamily="49" charset="0"/>
+              </a:rPr>
+              <a:t>, $</a:t>
+            </a:r>
+            <a:r>
+              <a:rPr lang="en-US" sz="1400" dirty="0" err="1">
+                <a:solidFill>
+                  <a:srgbClr val="006600"/>
+                </a:solidFill>
+                <a:latin typeface="Iosevka Extended" panose="02000509030000000004" pitchFamily="49" charset="0"/>
+                <a:ea typeface="Iosevka Extended" panose="02000509030000000004" pitchFamily="49" charset="0"/>
+                <a:cs typeface="Iosevka Extended" panose="02000509030000000004" pitchFamily="49" charset="0"/>
+              </a:rPr>
+              <a:t>s1</a:t>
+            </a:r>
+            <a:r>
+              <a:rPr lang="en-US" sz="1400" dirty="0">
+                <a:solidFill>
+                  <a:srgbClr val="006600"/>
+                </a:solidFill>
+                <a:latin typeface="Iosevka Extended" panose="02000509030000000004" pitchFamily="49" charset="0"/>
+                <a:ea typeface="Iosevka Extended" panose="02000509030000000004" pitchFamily="49" charset="0"/>
+                <a:cs typeface="Iosevka Extended" panose="02000509030000000004" pitchFamily="49" charset="0"/>
+              </a:rPr>
+              <a:t>, </a:t>
+            </a:r>
+            <a:r>
+              <a:rPr lang="en-US" sz="1400" dirty="0" err="1">
+                <a:solidFill>
+                  <a:srgbClr val="006600"/>
+                </a:solidFill>
+                <a:latin typeface="Iosevka Extended" panose="02000509030000000004" pitchFamily="49" charset="0"/>
+                <a:ea typeface="Iosevka Extended" panose="02000509030000000004" pitchFamily="49" charset="0"/>
+                <a:cs typeface="Iosevka Extended" panose="02000509030000000004" pitchFamily="49" charset="0"/>
+              </a:rPr>
+              <a:t>0b10001010</a:t>
+            </a:r>
+            <a:endParaRPr lang="en-US" sz="1400" dirty="0">
+              <a:solidFill>
+                <a:srgbClr val="006600"/>
+              </a:solidFill>
+              <a:latin typeface="Iosevka Extended" panose="02000509030000000004" pitchFamily="49" charset="0"/>
+              <a:ea typeface="Iosevka Extended" panose="02000509030000000004" pitchFamily="49" charset="0"/>
+              <a:cs typeface="Iosevka Extended" panose="02000509030000000004" pitchFamily="49" charset="0"/>
+            </a:endParaRPr>
+          </a:p>
+          <a:p>
+            <a:pPr>
+              <a:tabLst>
+                <a:tab pos="2286000" algn="l"/>
+                <a:tab pos="3886200" algn="l"/>
+              </a:tabLst>
+            </a:pPr>
+            <a:r>
+              <a:rPr lang="en-US" sz="1400" dirty="0" err="1">
+                <a:solidFill>
+                  <a:srgbClr val="7030A0"/>
+                </a:solidFill>
+                <a:latin typeface="Iosevka Extended" panose="02000509030000000004" pitchFamily="49" charset="0"/>
+                <a:ea typeface="Iosevka Extended" panose="02000509030000000004" pitchFamily="49" charset="0"/>
+                <a:cs typeface="Iosevka Extended" panose="02000509030000000004" pitchFamily="49" charset="0"/>
+              </a:rPr>
+              <a:t>andi</a:t>
+            </a:r>
+            <a:r>
+              <a:rPr lang="en-US" sz="1400" dirty="0">
+                <a:solidFill>
+                  <a:srgbClr val="7030A0"/>
+                </a:solidFill>
+                <a:latin typeface="Iosevka Extended" panose="02000509030000000004" pitchFamily="49" charset="0"/>
+                <a:ea typeface="Iosevka Extended" panose="02000509030000000004" pitchFamily="49" charset="0"/>
+                <a:cs typeface="Iosevka Extended" panose="02000509030000000004" pitchFamily="49" charset="0"/>
+              </a:rPr>
+              <a:t> $</a:t>
+            </a:r>
+            <a:r>
+              <a:rPr lang="en-US" sz="1400" dirty="0" err="1">
+                <a:solidFill>
+                  <a:srgbClr val="7030A0"/>
+                </a:solidFill>
+                <a:latin typeface="Iosevka Extended" panose="02000509030000000004" pitchFamily="49" charset="0"/>
+                <a:ea typeface="Iosevka Extended" panose="02000509030000000004" pitchFamily="49" charset="0"/>
+                <a:cs typeface="Iosevka Extended" panose="02000509030000000004" pitchFamily="49" charset="0"/>
+              </a:rPr>
+              <a:t>t0</a:t>
+            </a:r>
+            <a:r>
+              <a:rPr lang="en-US" sz="1400" dirty="0">
+                <a:solidFill>
+                  <a:srgbClr val="7030A0"/>
+                </a:solidFill>
+                <a:latin typeface="Iosevka Extended" panose="02000509030000000004" pitchFamily="49" charset="0"/>
+                <a:ea typeface="Iosevka Extended" panose="02000509030000000004" pitchFamily="49" charset="0"/>
+                <a:cs typeface="Iosevka Extended" panose="02000509030000000004" pitchFamily="49" charset="0"/>
+              </a:rPr>
+              <a:t>, $</a:t>
+            </a:r>
+            <a:r>
+              <a:rPr lang="en-US" sz="1400" dirty="0" err="1">
+                <a:solidFill>
+                  <a:srgbClr val="7030A0"/>
+                </a:solidFill>
+                <a:latin typeface="Iosevka Extended" panose="02000509030000000004" pitchFamily="49" charset="0"/>
+                <a:ea typeface="Iosevka Extended" panose="02000509030000000004" pitchFamily="49" charset="0"/>
+                <a:cs typeface="Iosevka Extended" panose="02000509030000000004" pitchFamily="49" charset="0"/>
+              </a:rPr>
+              <a:t>t0</a:t>
+            </a:r>
+            <a:r>
+              <a:rPr lang="en-US" sz="1400" dirty="0">
+                <a:solidFill>
+                  <a:srgbClr val="7030A0"/>
+                </a:solidFill>
+                <a:latin typeface="Iosevka Extended" panose="02000509030000000004" pitchFamily="49" charset="0"/>
+                <a:ea typeface="Iosevka Extended" panose="02000509030000000004" pitchFamily="49" charset="0"/>
+                <a:cs typeface="Iosevka Extended" panose="02000509030000000004" pitchFamily="49" charset="0"/>
+              </a:rPr>
+              <a:t>, </a:t>
+            </a:r>
+            <a:r>
+              <a:rPr lang="en-US" sz="1400" dirty="0" err="1">
+                <a:solidFill>
+                  <a:srgbClr val="7030A0"/>
+                </a:solidFill>
+                <a:latin typeface="Iosevka Extended" panose="02000509030000000004" pitchFamily="49" charset="0"/>
+                <a:ea typeface="Iosevka Extended" panose="02000509030000000004" pitchFamily="49" charset="0"/>
+                <a:cs typeface="Iosevka Extended" panose="02000509030000000004" pitchFamily="49" charset="0"/>
+              </a:rPr>
+              <a:t>0b10001010</a:t>
+            </a:r>
+            <a:endParaRPr lang="en-US" sz="1400" dirty="0">
+              <a:solidFill>
+                <a:srgbClr val="7030A0"/>
+              </a:solidFill>
+              <a:latin typeface="Iosevka Extended" panose="02000509030000000004" pitchFamily="49" charset="0"/>
+              <a:ea typeface="Iosevka Extended" panose="02000509030000000004" pitchFamily="49" charset="0"/>
+              <a:cs typeface="Iosevka Extended" panose="02000509030000000004" pitchFamily="49" charset="0"/>
+            </a:endParaRPr>
+          </a:p>
+          <a:p>
+            <a:pPr>
+              <a:tabLst>
+                <a:tab pos="2286000" algn="l"/>
+                <a:tab pos="3886200" algn="l"/>
+              </a:tabLst>
+            </a:pPr>
+            <a:r>
+              <a:rPr lang="en-US" sz="1400" dirty="0" err="1">
+                <a:solidFill>
+                  <a:srgbClr val="0000FF"/>
+                </a:solidFill>
+                <a:latin typeface="Iosevka Extended" panose="02000509030000000004" pitchFamily="49" charset="0"/>
+                <a:ea typeface="Iosevka Extended" panose="02000509030000000004" pitchFamily="49" charset="0"/>
+                <a:cs typeface="Iosevka Extended" panose="02000509030000000004" pitchFamily="49" charset="0"/>
+              </a:rPr>
+              <a:t>sll</a:t>
+            </a:r>
+            <a:r>
+              <a:rPr lang="en-US" sz="1400" dirty="0">
+                <a:solidFill>
+                  <a:srgbClr val="0000FF"/>
+                </a:solidFill>
+                <a:latin typeface="Iosevka Extended" panose="02000509030000000004" pitchFamily="49" charset="0"/>
+                <a:ea typeface="Iosevka Extended" panose="02000509030000000004" pitchFamily="49" charset="0"/>
+                <a:cs typeface="Iosevka Extended" panose="02000509030000000004" pitchFamily="49" charset="0"/>
+              </a:rPr>
+              <a:t>     $</a:t>
+            </a:r>
+            <a:r>
+              <a:rPr lang="en-US" sz="1400" dirty="0" err="1">
+                <a:solidFill>
+                  <a:srgbClr val="0000FF"/>
+                </a:solidFill>
+                <a:latin typeface="Iosevka Extended" panose="02000509030000000004" pitchFamily="49" charset="0"/>
+                <a:ea typeface="Iosevka Extended" panose="02000509030000000004" pitchFamily="49" charset="0"/>
+                <a:cs typeface="Iosevka Extended" panose="02000509030000000004" pitchFamily="49" charset="0"/>
+              </a:rPr>
+              <a:t>t0</a:t>
+            </a:r>
+            <a:r>
+              <a:rPr lang="en-US" sz="1400" dirty="0">
+                <a:solidFill>
+                  <a:srgbClr val="0000FF"/>
+                </a:solidFill>
+                <a:latin typeface="Iosevka Extended" panose="02000509030000000004" pitchFamily="49" charset="0"/>
+                <a:ea typeface="Iosevka Extended" panose="02000509030000000004" pitchFamily="49" charset="0"/>
+                <a:cs typeface="Iosevka Extended" panose="02000509030000000004" pitchFamily="49" charset="0"/>
+              </a:rPr>
+              <a:t>, $</a:t>
+            </a:r>
+            <a:r>
+              <a:rPr lang="en-US" sz="1400" dirty="0" err="1">
+                <a:solidFill>
+                  <a:srgbClr val="0000FF"/>
+                </a:solidFill>
+                <a:latin typeface="Iosevka Extended" panose="02000509030000000004" pitchFamily="49" charset="0"/>
+                <a:ea typeface="Iosevka Extended" panose="02000509030000000004" pitchFamily="49" charset="0"/>
+                <a:cs typeface="Iosevka Extended" panose="02000509030000000004" pitchFamily="49" charset="0"/>
+              </a:rPr>
+              <a:t>t0</a:t>
+            </a:r>
+            <a:r>
+              <a:rPr lang="en-US" sz="1400" dirty="0">
+                <a:solidFill>
+                  <a:srgbClr val="0000FF"/>
+                </a:solidFill>
+                <a:latin typeface="Iosevka Extended" panose="02000509030000000004" pitchFamily="49" charset="0"/>
+                <a:ea typeface="Iosevka Extended" panose="02000509030000000004" pitchFamily="49" charset="0"/>
+                <a:cs typeface="Iosevka Extended" panose="02000509030000000004" pitchFamily="49" charset="0"/>
+              </a:rPr>
+              <a:t>, 1</a:t>
+            </a:r>
+          </a:p>
+          <a:p>
+            <a:pPr>
+              <a:tabLst>
+                <a:tab pos="2286000" algn="l"/>
+                <a:tab pos="3886200" algn="l"/>
+              </a:tabLst>
+            </a:pPr>
+            <a:r>
+              <a:rPr lang="en-US" sz="1400" dirty="0" err="1">
+                <a:solidFill>
+                  <a:schemeClr val="accent1">
+                    <a:lumMod val="50000"/>
+                  </a:schemeClr>
+                </a:solidFill>
+                <a:latin typeface="Iosevka Extended" panose="02000509030000000004" pitchFamily="49" charset="0"/>
+                <a:ea typeface="Iosevka Extended" panose="02000509030000000004" pitchFamily="49" charset="0"/>
+                <a:cs typeface="Iosevka Extended" panose="02000509030000000004" pitchFamily="49" charset="0"/>
+              </a:rPr>
+              <a:t>lui</a:t>
+            </a:r>
+            <a:r>
+              <a:rPr lang="en-US" sz="1400" dirty="0">
+                <a:solidFill>
+                  <a:schemeClr val="accent1">
+                    <a:lumMod val="50000"/>
+                  </a:schemeClr>
+                </a:solidFill>
+                <a:latin typeface="Iosevka Extended" panose="02000509030000000004" pitchFamily="49" charset="0"/>
+                <a:ea typeface="Iosevka Extended" panose="02000509030000000004" pitchFamily="49" charset="0"/>
+                <a:cs typeface="Iosevka Extended" panose="02000509030000000004" pitchFamily="49" charset="0"/>
+              </a:rPr>
+              <a:t>     $</a:t>
+            </a:r>
+            <a:r>
+              <a:rPr lang="en-US" sz="1400" dirty="0" err="1">
+                <a:solidFill>
+                  <a:schemeClr val="accent1">
+                    <a:lumMod val="50000"/>
+                  </a:schemeClr>
+                </a:solidFill>
+                <a:latin typeface="Iosevka Extended" panose="02000509030000000004" pitchFamily="49" charset="0"/>
+                <a:ea typeface="Iosevka Extended" panose="02000509030000000004" pitchFamily="49" charset="0"/>
+                <a:cs typeface="Iosevka Extended" panose="02000509030000000004" pitchFamily="49" charset="0"/>
+              </a:rPr>
+              <a:t>t1</a:t>
+            </a:r>
+            <a:r>
+              <a:rPr lang="en-US" sz="1400" dirty="0">
+                <a:solidFill>
+                  <a:schemeClr val="accent1">
+                    <a:lumMod val="50000"/>
+                  </a:schemeClr>
+                </a:solidFill>
+                <a:latin typeface="Iosevka Extended" panose="02000509030000000004" pitchFamily="49" charset="0"/>
+                <a:ea typeface="Iosevka Extended" panose="02000509030000000004" pitchFamily="49" charset="0"/>
+                <a:cs typeface="Iosevka Extended" panose="02000509030000000004" pitchFamily="49" charset="0"/>
+              </a:rPr>
+              <a:t>, $</a:t>
+            </a:r>
+            <a:r>
+              <a:rPr lang="en-US" sz="1400" dirty="0" err="1">
+                <a:solidFill>
+                  <a:schemeClr val="accent1">
+                    <a:lumMod val="50000"/>
+                  </a:schemeClr>
+                </a:solidFill>
+                <a:latin typeface="Iosevka Extended" panose="02000509030000000004" pitchFamily="49" charset="0"/>
+                <a:ea typeface="Iosevka Extended" panose="02000509030000000004" pitchFamily="49" charset="0"/>
+                <a:cs typeface="Iosevka Extended" panose="02000509030000000004" pitchFamily="49" charset="0"/>
+              </a:rPr>
+              <a:t>t1</a:t>
+            </a:r>
+            <a:r>
+              <a:rPr lang="en-US" sz="1400" dirty="0">
+                <a:solidFill>
+                  <a:schemeClr val="accent1">
+                    <a:lumMod val="50000"/>
+                  </a:schemeClr>
+                </a:solidFill>
+                <a:latin typeface="Iosevka Extended" panose="02000509030000000004" pitchFamily="49" charset="0"/>
+                <a:ea typeface="Iosevka Extended" panose="02000509030000000004" pitchFamily="49" charset="0"/>
+                <a:cs typeface="Iosevka Extended" panose="02000509030000000004" pitchFamily="49" charset="0"/>
+              </a:rPr>
+              <a:t>, </a:t>
+            </a:r>
+            <a:r>
+              <a:rPr lang="en-US" sz="1400" dirty="0" err="1">
+                <a:solidFill>
+                  <a:schemeClr val="accent1">
+                    <a:lumMod val="50000"/>
+                  </a:schemeClr>
+                </a:solidFill>
+                <a:latin typeface="Iosevka Extended" panose="02000509030000000004" pitchFamily="49" charset="0"/>
+                <a:ea typeface="Iosevka Extended" panose="02000509030000000004" pitchFamily="49" charset="0"/>
+                <a:cs typeface="Iosevka Extended" panose="02000509030000000004" pitchFamily="49" charset="0"/>
+              </a:rPr>
+              <a:t>0b1111111111111111</a:t>
+            </a:r>
+            <a:endParaRPr lang="en-US" sz="1400" dirty="0">
+              <a:solidFill>
+                <a:schemeClr val="accent1">
+                  <a:lumMod val="50000"/>
+                </a:schemeClr>
+              </a:solidFill>
+              <a:latin typeface="Iosevka Extended" panose="02000509030000000004" pitchFamily="49" charset="0"/>
+              <a:ea typeface="Iosevka Extended" panose="02000509030000000004" pitchFamily="49" charset="0"/>
+              <a:cs typeface="Iosevka Extended" panose="02000509030000000004" pitchFamily="49" charset="0"/>
+            </a:endParaRPr>
+          </a:p>
+          <a:p>
+            <a:pPr>
+              <a:tabLst>
+                <a:tab pos="2286000" algn="l"/>
+                <a:tab pos="3886200" algn="l"/>
+              </a:tabLst>
+            </a:pPr>
+            <a:r>
+              <a:rPr lang="en-US" sz="1400" dirty="0" err="1">
+                <a:solidFill>
+                  <a:schemeClr val="accent1">
+                    <a:lumMod val="50000"/>
+                  </a:schemeClr>
+                </a:solidFill>
+                <a:latin typeface="Iosevka Extended" panose="02000509030000000004" pitchFamily="49" charset="0"/>
+                <a:ea typeface="Iosevka Extended" panose="02000509030000000004" pitchFamily="49" charset="0"/>
+                <a:cs typeface="Iosevka Extended" panose="02000509030000000004" pitchFamily="49" charset="0"/>
+              </a:rPr>
+              <a:t>ori</a:t>
+            </a:r>
+            <a:r>
+              <a:rPr lang="en-US" sz="1400" dirty="0">
+                <a:solidFill>
+                  <a:schemeClr val="accent1">
+                    <a:lumMod val="50000"/>
+                  </a:schemeClr>
+                </a:solidFill>
+                <a:latin typeface="Iosevka Extended" panose="02000509030000000004" pitchFamily="49" charset="0"/>
+                <a:ea typeface="Iosevka Extended" panose="02000509030000000004" pitchFamily="49" charset="0"/>
+                <a:cs typeface="Iosevka Extended" panose="02000509030000000004" pitchFamily="49" charset="0"/>
+              </a:rPr>
+              <a:t>     $</a:t>
+            </a:r>
+            <a:r>
+              <a:rPr lang="en-US" sz="1400" dirty="0" err="1">
+                <a:solidFill>
+                  <a:schemeClr val="accent1">
+                    <a:lumMod val="50000"/>
+                  </a:schemeClr>
+                </a:solidFill>
+                <a:latin typeface="Iosevka Extended" panose="02000509030000000004" pitchFamily="49" charset="0"/>
+                <a:ea typeface="Iosevka Extended" panose="02000509030000000004" pitchFamily="49" charset="0"/>
+                <a:cs typeface="Iosevka Extended" panose="02000509030000000004" pitchFamily="49" charset="0"/>
+              </a:rPr>
+              <a:t>t1</a:t>
+            </a:r>
+            <a:r>
+              <a:rPr lang="en-US" sz="1400" dirty="0">
+                <a:solidFill>
+                  <a:schemeClr val="accent1">
+                    <a:lumMod val="50000"/>
+                  </a:schemeClr>
+                </a:solidFill>
+                <a:latin typeface="Iosevka Extended" panose="02000509030000000004" pitchFamily="49" charset="0"/>
+                <a:ea typeface="Iosevka Extended" panose="02000509030000000004" pitchFamily="49" charset="0"/>
+                <a:cs typeface="Iosevka Extended" panose="02000509030000000004" pitchFamily="49" charset="0"/>
+              </a:rPr>
+              <a:t>, $</a:t>
+            </a:r>
+            <a:r>
+              <a:rPr lang="en-US" sz="1400" dirty="0" err="1">
+                <a:solidFill>
+                  <a:schemeClr val="accent1">
+                    <a:lumMod val="50000"/>
+                  </a:schemeClr>
+                </a:solidFill>
+                <a:latin typeface="Iosevka Extended" panose="02000509030000000004" pitchFamily="49" charset="0"/>
+                <a:ea typeface="Iosevka Extended" panose="02000509030000000004" pitchFamily="49" charset="0"/>
+                <a:cs typeface="Iosevka Extended" panose="02000509030000000004" pitchFamily="49" charset="0"/>
+              </a:rPr>
+              <a:t>t1</a:t>
+            </a:r>
+            <a:r>
+              <a:rPr lang="en-US" sz="1400" dirty="0">
+                <a:solidFill>
+                  <a:schemeClr val="accent1">
+                    <a:lumMod val="50000"/>
+                  </a:schemeClr>
+                </a:solidFill>
+                <a:latin typeface="Iosevka Extended" panose="02000509030000000004" pitchFamily="49" charset="0"/>
+                <a:ea typeface="Iosevka Extended" panose="02000509030000000004" pitchFamily="49" charset="0"/>
+                <a:cs typeface="Iosevka Extended" panose="02000509030000000004" pitchFamily="49" charset="0"/>
+              </a:rPr>
+              <a:t> </a:t>
+            </a:r>
+            <a:r>
+              <a:rPr lang="en-US" sz="1400" dirty="0" err="1">
+                <a:solidFill>
+                  <a:schemeClr val="accent1">
+                    <a:lumMod val="50000"/>
+                  </a:schemeClr>
+                </a:solidFill>
+                <a:latin typeface="Iosevka Extended" panose="02000509030000000004" pitchFamily="49" charset="0"/>
+                <a:ea typeface="Iosevka Extended" panose="02000509030000000004" pitchFamily="49" charset="0"/>
+                <a:cs typeface="Iosevka Extended" panose="02000509030000000004" pitchFamily="49" charset="0"/>
+              </a:rPr>
+              <a:t>0b1111111011101011</a:t>
+            </a:r>
+            <a:endParaRPr lang="en-US" sz="1400" dirty="0">
+              <a:solidFill>
+                <a:schemeClr val="accent1">
+                  <a:lumMod val="50000"/>
+                </a:schemeClr>
+              </a:solidFill>
+              <a:latin typeface="Iosevka Extended" panose="02000509030000000004" pitchFamily="49" charset="0"/>
+              <a:ea typeface="Iosevka Extended" panose="02000509030000000004" pitchFamily="49" charset="0"/>
+              <a:cs typeface="Iosevka Extended" panose="02000509030000000004" pitchFamily="49" charset="0"/>
+            </a:endParaRPr>
+          </a:p>
+          <a:p>
+            <a:pPr>
+              <a:tabLst>
+                <a:tab pos="2286000" algn="l"/>
+                <a:tab pos="3886200" algn="l"/>
+              </a:tabLst>
+            </a:pPr>
+            <a:r>
+              <a:rPr lang="en-US" sz="1400" dirty="0">
+                <a:solidFill>
+                  <a:srgbClr val="C00000"/>
+                </a:solidFill>
+                <a:latin typeface="Iosevka Extended" panose="02000509030000000004" pitchFamily="49" charset="0"/>
+                <a:ea typeface="Iosevka Extended" panose="02000509030000000004" pitchFamily="49" charset="0"/>
+                <a:cs typeface="Iosevka Extended" panose="02000509030000000004" pitchFamily="49" charset="0"/>
+              </a:rPr>
+              <a:t>and   $</a:t>
+            </a:r>
+            <a:r>
+              <a:rPr lang="en-US" sz="1400" dirty="0" err="1">
+                <a:solidFill>
+                  <a:srgbClr val="C00000"/>
+                </a:solidFill>
+                <a:latin typeface="Iosevka Extended" panose="02000509030000000004" pitchFamily="49" charset="0"/>
+                <a:ea typeface="Iosevka Extended" panose="02000509030000000004" pitchFamily="49" charset="0"/>
+                <a:cs typeface="Iosevka Extended" panose="02000509030000000004" pitchFamily="49" charset="0"/>
+              </a:rPr>
+              <a:t>s2</a:t>
+            </a:r>
+            <a:r>
+              <a:rPr lang="en-US" sz="1400" dirty="0">
+                <a:solidFill>
+                  <a:srgbClr val="C00000"/>
+                </a:solidFill>
+                <a:latin typeface="Iosevka Extended" panose="02000509030000000004" pitchFamily="49" charset="0"/>
+                <a:ea typeface="Iosevka Extended" panose="02000509030000000004" pitchFamily="49" charset="0"/>
+                <a:cs typeface="Iosevka Extended" panose="02000509030000000004" pitchFamily="49" charset="0"/>
+              </a:rPr>
+              <a:t>, $</a:t>
+            </a:r>
+            <a:r>
+              <a:rPr lang="en-US" sz="1400" dirty="0" err="1">
+                <a:solidFill>
+                  <a:srgbClr val="C00000"/>
+                </a:solidFill>
+                <a:latin typeface="Iosevka Extended" panose="02000509030000000004" pitchFamily="49" charset="0"/>
+                <a:ea typeface="Iosevka Extended" panose="02000509030000000004" pitchFamily="49" charset="0"/>
+                <a:cs typeface="Iosevka Extended" panose="02000509030000000004" pitchFamily="49" charset="0"/>
+              </a:rPr>
+              <a:t>s2</a:t>
+            </a:r>
+            <a:r>
+              <a:rPr lang="en-US" sz="1400" dirty="0">
+                <a:solidFill>
+                  <a:srgbClr val="C00000"/>
+                </a:solidFill>
+                <a:latin typeface="Iosevka Extended" panose="02000509030000000004" pitchFamily="49" charset="0"/>
+                <a:ea typeface="Iosevka Extended" panose="02000509030000000004" pitchFamily="49" charset="0"/>
+                <a:cs typeface="Iosevka Extended" panose="02000509030000000004" pitchFamily="49" charset="0"/>
+              </a:rPr>
+              <a:t>, $</a:t>
+            </a:r>
+            <a:r>
+              <a:rPr lang="en-US" sz="1400" dirty="0" err="1">
+                <a:solidFill>
+                  <a:srgbClr val="C00000"/>
+                </a:solidFill>
+                <a:latin typeface="Iosevka Extended" panose="02000509030000000004" pitchFamily="49" charset="0"/>
+                <a:ea typeface="Iosevka Extended" panose="02000509030000000004" pitchFamily="49" charset="0"/>
+                <a:cs typeface="Iosevka Extended" panose="02000509030000000004" pitchFamily="49" charset="0"/>
+              </a:rPr>
+              <a:t>t1</a:t>
+            </a:r>
+            <a:endParaRPr lang="en-US" sz="1400" dirty="0">
+              <a:solidFill>
+                <a:srgbClr val="C00000"/>
+              </a:solidFill>
+              <a:latin typeface="Iosevka Extended" panose="02000509030000000004" pitchFamily="49" charset="0"/>
+              <a:ea typeface="Iosevka Extended" panose="02000509030000000004" pitchFamily="49" charset="0"/>
+              <a:cs typeface="Iosevka Extended" panose="02000509030000000004" pitchFamily="49" charset="0"/>
+            </a:endParaRPr>
+          </a:p>
+          <a:p>
+            <a:pPr>
+              <a:tabLst>
+                <a:tab pos="2286000" algn="l"/>
+                <a:tab pos="3886200" algn="l"/>
+              </a:tabLst>
+            </a:pPr>
+            <a:r>
+              <a:rPr lang="en-US" sz="1400" dirty="0">
+                <a:latin typeface="Iosevka Extended" panose="02000509030000000004" pitchFamily="49" charset="0"/>
+                <a:ea typeface="Iosevka Extended" panose="02000509030000000004" pitchFamily="49" charset="0"/>
+                <a:cs typeface="Iosevka Extended" panose="02000509030000000004" pitchFamily="49" charset="0"/>
+              </a:rPr>
+              <a:t>or      $</a:t>
+            </a:r>
+            <a:r>
+              <a:rPr lang="en-US" sz="1400" dirty="0" err="1">
+                <a:latin typeface="Iosevka Extended" panose="02000509030000000004" pitchFamily="49" charset="0"/>
+                <a:ea typeface="Iosevka Extended" panose="02000509030000000004" pitchFamily="49" charset="0"/>
+                <a:cs typeface="Iosevka Extended" panose="02000509030000000004" pitchFamily="49" charset="0"/>
+              </a:rPr>
+              <a:t>s2</a:t>
+            </a:r>
+            <a:r>
+              <a:rPr lang="en-US" sz="1400" dirty="0">
+                <a:latin typeface="Iosevka Extended" panose="02000509030000000004" pitchFamily="49" charset="0"/>
+                <a:ea typeface="Iosevka Extended" panose="02000509030000000004" pitchFamily="49" charset="0"/>
+                <a:cs typeface="Iosevka Extended" panose="02000509030000000004" pitchFamily="49" charset="0"/>
+              </a:rPr>
+              <a:t>, $</a:t>
+            </a:r>
+            <a:r>
+              <a:rPr lang="en-US" sz="1400" dirty="0" err="1">
+                <a:latin typeface="Iosevka Extended" panose="02000509030000000004" pitchFamily="49" charset="0"/>
+                <a:ea typeface="Iosevka Extended" panose="02000509030000000004" pitchFamily="49" charset="0"/>
+                <a:cs typeface="Iosevka Extended" panose="02000509030000000004" pitchFamily="49" charset="0"/>
+              </a:rPr>
+              <a:t>s2</a:t>
+            </a:r>
+            <a:r>
+              <a:rPr lang="en-US" sz="1400" dirty="0">
+                <a:latin typeface="Iosevka Extended" panose="02000509030000000004" pitchFamily="49" charset="0"/>
+                <a:ea typeface="Iosevka Extended" panose="02000509030000000004" pitchFamily="49" charset="0"/>
+                <a:cs typeface="Iosevka Extended" panose="02000509030000000004" pitchFamily="49" charset="0"/>
+              </a:rPr>
+              <a:t>, $</a:t>
+            </a:r>
+            <a:r>
+              <a:rPr lang="en-US" sz="1400" dirty="0" err="1">
+                <a:latin typeface="Iosevka Extended" panose="02000509030000000004" pitchFamily="49" charset="0"/>
+                <a:ea typeface="Iosevka Extended" panose="02000509030000000004" pitchFamily="49" charset="0"/>
+                <a:cs typeface="Iosevka Extended" panose="02000509030000000004" pitchFamily="49" charset="0"/>
+              </a:rPr>
+              <a:t>t0</a:t>
+            </a:r>
+            <a:r>
+              <a:rPr lang="en-US" sz="1400" dirty="0">
+                <a:latin typeface="Iosevka Extended" panose="02000509030000000004" pitchFamily="49" charset="0"/>
+                <a:ea typeface="Iosevka Extended" panose="02000509030000000004" pitchFamily="49" charset="0"/>
+                <a:cs typeface="Iosevka Extended" panose="02000509030000000004" pitchFamily="49" charset="0"/>
+              </a:rPr>
+              <a:t> </a:t>
+            </a:r>
+          </a:p>
+        </p:txBody>
+      </p:sp>
+    </p:spTree>
+    <p:extLst>
+      <p:ext uri="{BB962C8B-B14F-4D97-AF65-F5344CB8AC3E}">
+        <p14:creationId xmlns:p14="http://schemas.microsoft.com/office/powerpoint/2010/main" val="2346667770"/>
+      </p:ext>
+    </p:extLst>
+  </p:cSld>
+  <p:clrMapOvr>
+    <a:masterClrMapping/>
+  </p:clrMapOvr>
+  <p:timing>
+    <p:tnLst>
+      <p:par>
+        <p:cTn id="1" dur="indefinite" restart="never" nodeType="tmRoot">
+          <p:childTnLst>
+            <p:seq concurrent="1" nextAc="seek">
+              <p:cTn id="2" dur="indefinite" nodeType="mainSeq">
+                <p:childTnLst>
+                  <p:par>
+                    <p:cTn id="3" fill="hold">
+                      <p:stCondLst>
+                        <p:cond delay="indefinite"/>
+                      </p:stCondLst>
+                      <p:childTnLst>
+                        <p:par>
+                          <p:cTn id="4" fill="hold">
+                            <p:stCondLst>
+                              <p:cond delay="0"/>
+                            </p:stCondLst>
+                            <p:childTnLst>
+                              <p:par>
+                                <p:cTn id="5" presetID="9" presetClass="entr" presetSubtype="0" fill="hold" grpId="0" nodeType="clickEffect">
+                                  <p:stCondLst>
+                                    <p:cond delay="0"/>
+                                  </p:stCondLst>
+                                  <p:childTnLst>
+                                    <p:set>
+                                      <p:cBhvr>
+                                        <p:cTn id="6" dur="1" fill="hold">
+                                          <p:stCondLst>
+                                            <p:cond delay="0"/>
+                                          </p:stCondLst>
+                                        </p:cTn>
+                                        <p:tgtEl>
+                                          <p:spTgt spid="4">
+                                            <p:bg/>
+                                          </p:spTgt>
+                                        </p:tgtEl>
+                                        <p:attrNameLst>
+                                          <p:attrName>style.visibility</p:attrName>
+                                        </p:attrNameLst>
+                                      </p:cBhvr>
+                                      <p:to>
+                                        <p:strVal val="visible"/>
+                                      </p:to>
+                                    </p:set>
+                                    <p:animEffect transition="in" filter="dissolve">
+                                      <p:cBhvr>
+                                        <p:cTn id="7" dur="500"/>
+                                        <p:tgtEl>
+                                          <p:spTgt spid="4">
+                                            <p:bg/>
+                                          </p:spTgt>
+                                        </p:tgtEl>
+                                      </p:cBhvr>
+                                    </p:animEffect>
+                                  </p:childTnLst>
+                                </p:cTn>
+                              </p:par>
+                            </p:childTnLst>
+                          </p:cTn>
+                        </p:par>
+                      </p:childTnLst>
+                    </p:cTn>
+                  </p:par>
+                  <p:par>
+                    <p:cTn id="8" fill="hold">
+                      <p:stCondLst>
+                        <p:cond delay="indefinite"/>
+                      </p:stCondLst>
+                      <p:childTnLst>
+                        <p:par>
+                          <p:cTn id="9" fill="hold">
+                            <p:stCondLst>
+                              <p:cond delay="0"/>
+                            </p:stCondLst>
+                            <p:childTnLst>
+                              <p:par>
+                                <p:cTn id="10" presetID="9" presetClass="entr" presetSubtype="0" fill="hold" grpId="0" nodeType="clickEffect">
+                                  <p:stCondLst>
+                                    <p:cond delay="0"/>
+                                  </p:stCondLst>
+                                  <p:childTnLst>
+                                    <p:set>
+                                      <p:cBhvr>
+                                        <p:cTn id="11" dur="1" fill="hold">
+                                          <p:stCondLst>
+                                            <p:cond delay="0"/>
+                                          </p:stCondLst>
+                                        </p:cTn>
+                                        <p:tgtEl>
+                                          <p:spTgt spid="4">
+                                            <p:txEl>
+                                              <p:pRg st="0" end="0"/>
+                                            </p:txEl>
+                                          </p:spTgt>
+                                        </p:tgtEl>
+                                        <p:attrNameLst>
+                                          <p:attrName>style.visibility</p:attrName>
+                                        </p:attrNameLst>
+                                      </p:cBhvr>
+                                      <p:to>
+                                        <p:strVal val="visible"/>
+                                      </p:to>
+                                    </p:set>
+                                    <p:animEffect transition="in" filter="dissolve">
+                                      <p:cBhvr>
+                                        <p:cTn id="12" dur="500"/>
+                                        <p:tgtEl>
+                                          <p:spTgt spid="4">
+                                            <p:txEl>
+                                              <p:pRg st="0" end="0"/>
+                                            </p:txEl>
+                                          </p:spTgt>
+                                        </p:tgtEl>
+                                      </p:cBhvr>
+                                    </p:animEffect>
+                                  </p:childTnLst>
+                                </p:cTn>
+                              </p:par>
+                            </p:childTnLst>
+                          </p:cTn>
+                        </p:par>
+                      </p:childTnLst>
+                    </p:cTn>
+                  </p:par>
+                  <p:par>
+                    <p:cTn id="13" fill="hold">
+                      <p:stCondLst>
+                        <p:cond delay="indefinite"/>
+                      </p:stCondLst>
+                      <p:childTnLst>
+                        <p:par>
+                          <p:cTn id="14" fill="hold">
+                            <p:stCondLst>
+                              <p:cond delay="0"/>
+                            </p:stCondLst>
+                            <p:childTnLst>
+                              <p:par>
+                                <p:cTn id="15" presetID="9" presetClass="entr" presetSubtype="0" fill="hold" grpId="0" nodeType="clickEffect">
+                                  <p:stCondLst>
+                                    <p:cond delay="0"/>
+                                  </p:stCondLst>
+                                  <p:childTnLst>
+                                    <p:set>
+                                      <p:cBhvr>
+                                        <p:cTn id="16" dur="1" fill="hold">
+                                          <p:stCondLst>
+                                            <p:cond delay="0"/>
+                                          </p:stCondLst>
+                                        </p:cTn>
+                                        <p:tgtEl>
+                                          <p:spTgt spid="4">
+                                            <p:txEl>
+                                              <p:pRg st="1" end="1"/>
+                                            </p:txEl>
+                                          </p:spTgt>
+                                        </p:tgtEl>
+                                        <p:attrNameLst>
+                                          <p:attrName>style.visibility</p:attrName>
+                                        </p:attrNameLst>
+                                      </p:cBhvr>
+                                      <p:to>
+                                        <p:strVal val="visible"/>
+                                      </p:to>
+                                    </p:set>
+                                    <p:animEffect transition="in" filter="dissolve">
+                                      <p:cBhvr>
+                                        <p:cTn id="17" dur="500"/>
+                                        <p:tgtEl>
+                                          <p:spTgt spid="4">
+                                            <p:txEl>
+                                              <p:pRg st="1" end="1"/>
+                                            </p:txEl>
+                                          </p:spTgt>
+                                        </p:tgtEl>
+                                      </p:cBhvr>
+                                    </p:animEffect>
+                                  </p:childTnLst>
+                                </p:cTn>
+                              </p:par>
+                            </p:childTnLst>
+                          </p:cTn>
+                        </p:par>
+                      </p:childTnLst>
+                    </p:cTn>
+                  </p:par>
+                  <p:par>
+                    <p:cTn id="18" fill="hold">
+                      <p:stCondLst>
+                        <p:cond delay="indefinite"/>
+                      </p:stCondLst>
+                      <p:childTnLst>
+                        <p:par>
+                          <p:cTn id="19" fill="hold">
+                            <p:stCondLst>
+                              <p:cond delay="0"/>
+                            </p:stCondLst>
+                            <p:childTnLst>
+                              <p:par>
+                                <p:cTn id="20" presetID="9" presetClass="entr" presetSubtype="0" fill="hold" grpId="0" nodeType="clickEffect">
+                                  <p:stCondLst>
+                                    <p:cond delay="0"/>
+                                  </p:stCondLst>
+                                  <p:childTnLst>
+                                    <p:set>
+                                      <p:cBhvr>
+                                        <p:cTn id="21" dur="1" fill="hold">
+                                          <p:stCondLst>
+                                            <p:cond delay="0"/>
+                                          </p:stCondLst>
+                                        </p:cTn>
+                                        <p:tgtEl>
+                                          <p:spTgt spid="4">
+                                            <p:txEl>
+                                              <p:pRg st="2" end="2"/>
+                                            </p:txEl>
+                                          </p:spTgt>
+                                        </p:tgtEl>
+                                        <p:attrNameLst>
+                                          <p:attrName>style.visibility</p:attrName>
+                                        </p:attrNameLst>
+                                      </p:cBhvr>
+                                      <p:to>
+                                        <p:strVal val="visible"/>
+                                      </p:to>
+                                    </p:set>
+                                    <p:animEffect transition="in" filter="dissolve">
+                                      <p:cBhvr>
+                                        <p:cTn id="22" dur="500"/>
+                                        <p:tgtEl>
+                                          <p:spTgt spid="4">
+                                            <p:txEl>
+                                              <p:pRg st="2" end="2"/>
+                                            </p:txEl>
+                                          </p:spTgt>
+                                        </p:tgtEl>
+                                      </p:cBhvr>
+                                    </p:animEffect>
+                                  </p:childTnLst>
+                                </p:cTn>
+                              </p:par>
+                            </p:childTnLst>
+                          </p:cTn>
+                        </p:par>
+                      </p:childTnLst>
+                    </p:cTn>
+                  </p:par>
+                  <p:par>
+                    <p:cTn id="23" fill="hold">
+                      <p:stCondLst>
+                        <p:cond delay="indefinite"/>
+                      </p:stCondLst>
+                      <p:childTnLst>
+                        <p:par>
+                          <p:cTn id="24" fill="hold">
+                            <p:stCondLst>
+                              <p:cond delay="0"/>
+                            </p:stCondLst>
+                            <p:childTnLst>
+                              <p:par>
+                                <p:cTn id="25" presetID="9" presetClass="entr" presetSubtype="0" fill="hold" grpId="0" nodeType="clickEffect">
+                                  <p:stCondLst>
+                                    <p:cond delay="0"/>
+                                  </p:stCondLst>
+                                  <p:childTnLst>
+                                    <p:set>
+                                      <p:cBhvr>
+                                        <p:cTn id="26" dur="1" fill="hold">
+                                          <p:stCondLst>
+                                            <p:cond delay="0"/>
+                                          </p:stCondLst>
+                                        </p:cTn>
+                                        <p:tgtEl>
+                                          <p:spTgt spid="4">
+                                            <p:txEl>
+                                              <p:pRg st="3" end="3"/>
+                                            </p:txEl>
+                                          </p:spTgt>
+                                        </p:tgtEl>
+                                        <p:attrNameLst>
+                                          <p:attrName>style.visibility</p:attrName>
+                                        </p:attrNameLst>
+                                      </p:cBhvr>
+                                      <p:to>
+                                        <p:strVal val="visible"/>
+                                      </p:to>
+                                    </p:set>
+                                    <p:animEffect transition="in" filter="dissolve">
+                                      <p:cBhvr>
+                                        <p:cTn id="27" dur="500"/>
+                                        <p:tgtEl>
+                                          <p:spTgt spid="4">
+                                            <p:txEl>
+                                              <p:pRg st="3" end="3"/>
+                                            </p:txEl>
+                                          </p:spTgt>
+                                        </p:tgtEl>
+                                      </p:cBhvr>
+                                    </p:animEffect>
+                                  </p:childTnLst>
+                                </p:cTn>
+                              </p:par>
+                            </p:childTnLst>
+                          </p:cTn>
+                        </p:par>
+                      </p:childTnLst>
+                    </p:cTn>
+                  </p:par>
+                  <p:par>
+                    <p:cTn id="28" fill="hold">
+                      <p:stCondLst>
+                        <p:cond delay="indefinite"/>
+                      </p:stCondLst>
+                      <p:childTnLst>
+                        <p:par>
+                          <p:cTn id="29" fill="hold">
+                            <p:stCondLst>
+                              <p:cond delay="0"/>
+                            </p:stCondLst>
+                            <p:childTnLst>
+                              <p:par>
+                                <p:cTn id="30" presetID="9" presetClass="entr" presetSubtype="0" fill="hold" grpId="0" nodeType="clickEffect">
+                                  <p:stCondLst>
+                                    <p:cond delay="0"/>
+                                  </p:stCondLst>
+                                  <p:childTnLst>
+                                    <p:set>
+                                      <p:cBhvr>
+                                        <p:cTn id="31" dur="1" fill="hold">
+                                          <p:stCondLst>
+                                            <p:cond delay="0"/>
+                                          </p:stCondLst>
+                                        </p:cTn>
+                                        <p:tgtEl>
+                                          <p:spTgt spid="4">
+                                            <p:txEl>
+                                              <p:pRg st="4" end="4"/>
+                                            </p:txEl>
+                                          </p:spTgt>
+                                        </p:tgtEl>
+                                        <p:attrNameLst>
+                                          <p:attrName>style.visibility</p:attrName>
+                                        </p:attrNameLst>
+                                      </p:cBhvr>
+                                      <p:to>
+                                        <p:strVal val="visible"/>
+                                      </p:to>
+                                    </p:set>
+                                    <p:animEffect transition="in" filter="dissolve">
+                                      <p:cBhvr>
+                                        <p:cTn id="32" dur="500"/>
+                                        <p:tgtEl>
+                                          <p:spTgt spid="4">
+                                            <p:txEl>
+                                              <p:pRg st="4" end="4"/>
+                                            </p:txEl>
+                                          </p:spTgt>
+                                        </p:tgtEl>
+                                      </p:cBhvr>
+                                    </p:animEffect>
+                                  </p:childTnLst>
+                                </p:cTn>
+                              </p:par>
+                            </p:childTnLst>
+                          </p:cTn>
+                        </p:par>
+                      </p:childTnLst>
+                    </p:cTn>
+                  </p:par>
+                  <p:par>
+                    <p:cTn id="33" fill="hold">
+                      <p:stCondLst>
+                        <p:cond delay="indefinite"/>
+                      </p:stCondLst>
+                      <p:childTnLst>
+                        <p:par>
+                          <p:cTn id="34" fill="hold">
+                            <p:stCondLst>
+                              <p:cond delay="0"/>
+                            </p:stCondLst>
+                            <p:childTnLst>
+                              <p:par>
+                                <p:cTn id="35" presetID="9" presetClass="entr" presetSubtype="0" fill="hold" grpId="0" nodeType="clickEffect">
+                                  <p:stCondLst>
+                                    <p:cond delay="0"/>
+                                  </p:stCondLst>
+                                  <p:childTnLst>
+                                    <p:set>
+                                      <p:cBhvr>
+                                        <p:cTn id="36" dur="1" fill="hold">
+                                          <p:stCondLst>
+                                            <p:cond delay="0"/>
+                                          </p:stCondLst>
+                                        </p:cTn>
+                                        <p:tgtEl>
+                                          <p:spTgt spid="4">
+                                            <p:txEl>
+                                              <p:pRg st="5" end="5"/>
+                                            </p:txEl>
+                                          </p:spTgt>
+                                        </p:tgtEl>
+                                        <p:attrNameLst>
+                                          <p:attrName>style.visibility</p:attrName>
+                                        </p:attrNameLst>
+                                      </p:cBhvr>
+                                      <p:to>
+                                        <p:strVal val="visible"/>
+                                      </p:to>
+                                    </p:set>
+                                    <p:animEffect transition="in" filter="dissolve">
+                                      <p:cBhvr>
+                                        <p:cTn id="37" dur="500"/>
+                                        <p:tgtEl>
+                                          <p:spTgt spid="4">
+                                            <p:txEl>
+                                              <p:pRg st="5" end="5"/>
+                                            </p:txEl>
+                                          </p:spTgt>
+                                        </p:tgtEl>
+                                      </p:cBhvr>
+                                    </p:animEffect>
+                                  </p:childTnLst>
+                                </p:cTn>
+                              </p:par>
+                            </p:childTnLst>
+                          </p:cTn>
+                        </p:par>
+                      </p:childTnLst>
+                    </p:cTn>
+                  </p:par>
+                  <p:par>
+                    <p:cTn id="38" fill="hold">
+                      <p:stCondLst>
+                        <p:cond delay="indefinite"/>
+                      </p:stCondLst>
+                      <p:childTnLst>
+                        <p:par>
+                          <p:cTn id="39" fill="hold">
+                            <p:stCondLst>
+                              <p:cond delay="0"/>
+                            </p:stCondLst>
+                            <p:childTnLst>
+                              <p:par>
+                                <p:cTn id="40" presetID="9" presetClass="entr" presetSubtype="0" fill="hold" grpId="0" nodeType="clickEffect">
+                                  <p:stCondLst>
+                                    <p:cond delay="0"/>
+                                  </p:stCondLst>
+                                  <p:childTnLst>
+                                    <p:set>
+                                      <p:cBhvr>
+                                        <p:cTn id="41" dur="1" fill="hold">
+                                          <p:stCondLst>
+                                            <p:cond delay="0"/>
+                                          </p:stCondLst>
+                                        </p:cTn>
+                                        <p:tgtEl>
+                                          <p:spTgt spid="4">
+                                            <p:txEl>
+                                              <p:pRg st="6" end="6"/>
+                                            </p:txEl>
+                                          </p:spTgt>
+                                        </p:tgtEl>
+                                        <p:attrNameLst>
+                                          <p:attrName>style.visibility</p:attrName>
+                                        </p:attrNameLst>
+                                      </p:cBhvr>
+                                      <p:to>
+                                        <p:strVal val="visible"/>
+                                      </p:to>
+                                    </p:set>
+                                    <p:animEffect transition="in" filter="dissolve">
+                                      <p:cBhvr>
+                                        <p:cTn id="42" dur="500"/>
+                                        <p:tgtEl>
+                                          <p:spTgt spid="4">
+                                            <p:txEl>
+                                              <p:pRg st="6" end="6"/>
+                                            </p:txEl>
+                                          </p:spTgt>
+                                        </p:tgtEl>
+                                      </p:cBhvr>
+                                    </p:animEffect>
+                                  </p:childTnLst>
+                                </p:cTn>
+                              </p:par>
+                            </p:childTnLst>
+                          </p:cTn>
+                        </p:par>
+                      </p:childTnLst>
+                    </p:cTn>
+                  </p:par>
+                </p:childTnLst>
+              </p:cTn>
+              <p:prevCondLst>
+                <p:cond evt="onPrev" delay="0">
+                  <p:tgtEl>
+                    <p:sldTgt/>
+                  </p:tgtEl>
+                </p:cond>
+              </p:prevCondLst>
+              <p:nextCondLst>
+                <p:cond evt="onNext" delay="0">
+                  <p:tgtEl>
+                    <p:sldTgt/>
+                  </p:tgtEl>
+                </p:cond>
+              </p:nextCondLst>
+            </p:seq>
+          </p:childTnLst>
+        </p:cTn>
+      </p:par>
+    </p:tnLst>
+    <p:bldLst>
+      <p:bldP spid="4" grpId="0" uiExpand="1" build="p" animBg="1"/>
+    </p:bldLst>
+  </p:timing>
+</p:sld>
+</file>
+
+<file path=ppt/slides/slide18.xml><?xml version="1.0" encoding="utf-8"?>
+<p:sld xmlns:a="http://schemas.openxmlformats.org/drawingml/2006/main" xmlns:r="http://schemas.openxmlformats.org/officeDocument/2006/relationships" xmlns:p="http://schemas.openxmlformats.org/presentationml/2006/main">
+  <p:cSld>
+    <p:spTree>
+      <p:nvGrpSpPr>
+        <p:cNvPr id="1" name=""/>
+        <p:cNvGrpSpPr/>
+        <p:nvPr/>
+      </p:nvGrpSpPr>
+      <p:grpSpPr>
+        <a:xfrm>
+          <a:off x="0" y="0"/>
+          <a:ext cx="0" cy="0"/>
+          <a:chOff x="0" y="0"/>
+          <a:chExt cx="0" cy="0"/>
+        </a:xfrm>
+      </p:grpSpPr>
+      <p:sp>
+        <p:nvSpPr>
+          <p:cNvPr id="2" name="Title 1">
+            <a:extLst>
+              <a:ext uri="{FF2B5EF4-FFF2-40B4-BE49-F238E27FC236}">
                 <a16:creationId xmlns:a16="http://schemas.microsoft.com/office/drawing/2014/main" id="{76673799-3271-354D-44CC-45EB6A0D29BF}"/>
               </a:ext>
             </a:extLst>
@@ -8768,7 +10348,7 @@
                 <a:ea typeface="Iosevka Extended" panose="02000509030000000004" pitchFamily="49" charset="0"/>
                 <a:cs typeface="Iosevka Extended" panose="02000509030000000004" pitchFamily="49" charset="0"/>
               </a:rPr>
-              <a:t>add $sd2, $s0, $s1</a:t>
+              <a:t>add $s2, $s0, $s1</a:t>
             </a:r>
           </a:p>
         </p:txBody>
@@ -8902,358 +10482,6 @@
     <p:extLst>
       <p:ext uri="{BB962C8B-B14F-4D97-AF65-F5344CB8AC3E}">
         <p14:creationId xmlns:p14="http://schemas.microsoft.com/office/powerpoint/2010/main" val="3042952480"/>
-      </p:ext>
-    </p:extLst>
-  </p:cSld>
-  <p:clrMapOvr>
-    <a:masterClrMapping/>
-  </p:clrMapOvr>
-</p:sld>
-</file>
-
-<file path=ppt/slides/slide18.xml><?xml version="1.0" encoding="utf-8"?>
-<p:sld xmlns:a="http://schemas.openxmlformats.org/drawingml/2006/main" xmlns:r="http://schemas.openxmlformats.org/officeDocument/2006/relationships" xmlns:p="http://schemas.openxmlformats.org/presentationml/2006/main">
-  <p:cSld>
-    <p:spTree>
-      <p:nvGrpSpPr>
-        <p:cNvPr id="1" name=""/>
-        <p:cNvGrpSpPr/>
-        <p:nvPr/>
-      </p:nvGrpSpPr>
-      <p:grpSpPr>
-        <a:xfrm>
-          <a:off x="0" y="0"/>
-          <a:ext cx="0" cy="0"/>
-          <a:chOff x="0" y="0"/>
-          <a:chExt cx="0" cy="0"/>
-        </a:xfrm>
-      </p:grpSpPr>
-      <p:sp>
-        <p:nvSpPr>
-          <p:cNvPr id="2" name="Title 1">
-            <a:extLst>
-              <a:ext uri="{FF2B5EF4-FFF2-40B4-BE49-F238E27FC236}">
-                <a16:creationId xmlns:a16="http://schemas.microsoft.com/office/drawing/2014/main" id="{76673799-3271-354D-44CC-45EB6A0D29BF}"/>
-              </a:ext>
-            </a:extLst>
-          </p:cNvPr>
-          <p:cNvSpPr>
-            <a:spLocks noGrp="1"/>
-          </p:cNvSpPr>
-          <p:nvPr>
-            <p:ph type="title"/>
-          </p:nvPr>
-        </p:nvSpPr>
-        <p:spPr/>
-        <p:txBody>
-          <a:bodyPr/>
-          <a:lstStyle/>
-          <a:p>
-            <a:r>
-              <a:rPr lang="en-SG"/>
-              <a:t>Q3. MIPS Arithmetic</a:t>
-            </a:r>
-          </a:p>
-        </p:txBody>
-      </p:sp>
-      <p:sp>
-        <p:nvSpPr>
-          <p:cNvPr id="3" name="Content Placeholder 2">
-            <a:extLst>
-              <a:ext uri="{FF2B5EF4-FFF2-40B4-BE49-F238E27FC236}">
-                <a16:creationId xmlns:a16="http://schemas.microsoft.com/office/drawing/2014/main" id="{3BAC4D37-FB20-9972-7FEA-2C6266DA64AD}"/>
-              </a:ext>
-            </a:extLst>
-          </p:cNvPr>
-          <p:cNvSpPr>
-            <a:spLocks noGrp="1"/>
-          </p:cNvSpPr>
-          <p:nvPr>
-            <p:ph idx="1"/>
-          </p:nvPr>
-        </p:nvSpPr>
-        <p:spPr/>
-        <p:txBody>
-          <a:bodyPr/>
-          <a:lstStyle/>
-          <a:p>
-            <a:pPr marL="0" indent="0">
-              <a:buNone/>
-            </a:pPr>
-            <a:r>
-              <a:rPr lang="en-SG"/>
-              <a:t>b) d = a + b – c</a:t>
-            </a:r>
-          </a:p>
-          <a:p>
-            <a:pPr marL="0" indent="0">
-              <a:buNone/>
-            </a:pPr>
-            <a:endParaRPr lang="en-SG"/>
-          </a:p>
-          <a:p>
-            <a:pPr marL="0" indent="0">
-              <a:buNone/>
-            </a:pPr>
-            <a:r>
-              <a:rPr lang="en-SG" sz="2400">
-                <a:latin typeface="Iosevka Extended" panose="02000509030000000004" pitchFamily="49" charset="0"/>
-                <a:ea typeface="Iosevka Extended" panose="02000509030000000004" pitchFamily="49" charset="0"/>
-                <a:cs typeface="Iosevka Extended" panose="02000509030000000004" pitchFamily="49" charset="0"/>
-              </a:rPr>
-              <a:t>add $s3, $s0, $s1</a:t>
-            </a:r>
-          </a:p>
-          <a:p>
-            <a:pPr marL="0" indent="0">
-              <a:buNone/>
-            </a:pPr>
-            <a:r>
-              <a:rPr lang="en-SG" sz="2400">
-                <a:latin typeface="Iosevka Extended" panose="02000509030000000004" pitchFamily="49" charset="0"/>
-                <a:ea typeface="Iosevka Extended" panose="02000509030000000004" pitchFamily="49" charset="0"/>
-                <a:cs typeface="Iosevka Extended" panose="02000509030000000004" pitchFamily="49" charset="0"/>
-              </a:rPr>
-              <a:t>sub $s3, $s3, $s2</a:t>
-            </a:r>
-          </a:p>
-        </p:txBody>
-      </p:sp>
-      <p:sp>
-        <p:nvSpPr>
-          <p:cNvPr id="6" name="TextBox 5">
-            <a:extLst>
-              <a:ext uri="{FF2B5EF4-FFF2-40B4-BE49-F238E27FC236}">
-                <a16:creationId xmlns:a16="http://schemas.microsoft.com/office/drawing/2014/main" id="{203E7997-2341-8E38-E79E-BA954D780C44}"/>
-              </a:ext>
-            </a:extLst>
-          </p:cNvPr>
-          <p:cNvSpPr txBox="1"/>
-          <p:nvPr/>
-        </p:nvSpPr>
-        <p:spPr>
-          <a:xfrm>
-            <a:off x="8853791" y="681138"/>
-            <a:ext cx="2500009" cy="830997"/>
-          </a:xfrm>
-          <a:prstGeom prst="rect">
-            <a:avLst/>
-          </a:prstGeom>
-          <a:solidFill>
-            <a:schemeClr val="accent2">
-              <a:lumMod val="20000"/>
-              <a:lumOff val="80000"/>
-            </a:schemeClr>
-          </a:solidFill>
-          <a:ln>
-            <a:solidFill>
-              <a:schemeClr val="tx1"/>
-            </a:solidFill>
-          </a:ln>
-        </p:spPr>
-        <p:txBody>
-          <a:bodyPr wrap="square" rtlCol="0">
-            <a:spAutoFit/>
-          </a:bodyPr>
-          <a:lstStyle/>
-          <a:p>
-            <a:r>
-              <a:rPr lang="en-SG" sz="1600">
-                <a:latin typeface="AndesNeue Alt 2 Book" panose="00000500000000000000" pitchFamily="2" charset="0"/>
-              </a:rPr>
-              <a:t>Important:</a:t>
-            </a:r>
-            <a:br>
-              <a:rPr lang="en-SG" sz="1600">
-                <a:latin typeface="AndesNeue Alt 2 Book" panose="00000500000000000000" pitchFamily="2" charset="0"/>
-              </a:rPr>
-            </a:br>
-            <a:r>
-              <a:rPr lang="en-SG" sz="1600">
-                <a:latin typeface="AndesNeue Alt 2 Book" panose="00000500000000000000" pitchFamily="2" charset="0"/>
-              </a:rPr>
-              <a:t>Note the “as few instructions as possible”</a:t>
-            </a:r>
-          </a:p>
-        </p:txBody>
-      </p:sp>
-      <p:sp>
-        <p:nvSpPr>
-          <p:cNvPr id="7" name="TextBox 6">
-            <a:extLst>
-              <a:ext uri="{FF2B5EF4-FFF2-40B4-BE49-F238E27FC236}">
-                <a16:creationId xmlns:a16="http://schemas.microsoft.com/office/drawing/2014/main" id="{AE5AAB65-2EAD-0BE8-EB78-CA33D2225DA4}"/>
-              </a:ext>
-            </a:extLst>
-          </p:cNvPr>
-          <p:cNvSpPr txBox="1"/>
-          <p:nvPr/>
-        </p:nvSpPr>
-        <p:spPr>
-          <a:xfrm>
-            <a:off x="9328826" y="1825625"/>
-            <a:ext cx="2024974" cy="584775"/>
-          </a:xfrm>
-          <a:prstGeom prst="rect">
-            <a:avLst/>
-          </a:prstGeom>
-          <a:noFill/>
-          <a:ln>
-            <a:solidFill>
-              <a:schemeClr val="tx1"/>
-            </a:solidFill>
-          </a:ln>
-        </p:spPr>
-        <p:txBody>
-          <a:bodyPr wrap="square" rtlCol="0">
-            <a:spAutoFit/>
-          </a:bodyPr>
-          <a:lstStyle/>
-          <a:p>
-            <a:r>
-              <a:rPr lang="en-SG" sz="1600">
-                <a:latin typeface="AndesNeue Alt 2 Book" panose="00000500000000000000" pitchFamily="2" charset="0"/>
-              </a:rPr>
-              <a:t>a </a:t>
-            </a:r>
-            <a:r>
-              <a:rPr lang="en-SG" sz="1600">
-                <a:latin typeface="AndesNeue Alt 2 Book" panose="00000500000000000000" pitchFamily="2" charset="0"/>
-                <a:sym typeface="Wingdings" panose="05000000000000000000" pitchFamily="2" charset="2"/>
-              </a:rPr>
-              <a:t> $s0	b  $s2</a:t>
-            </a:r>
-          </a:p>
-          <a:p>
-            <a:r>
-              <a:rPr lang="en-SG" sz="1600">
-                <a:latin typeface="AndesNeue Alt 2 Book" panose="00000500000000000000" pitchFamily="2" charset="0"/>
-              </a:rPr>
-              <a:t>c </a:t>
-            </a:r>
-            <a:r>
-              <a:rPr lang="en-SG" sz="1600">
-                <a:latin typeface="AndesNeue Alt 2 Book" panose="00000500000000000000" pitchFamily="2" charset="0"/>
-                <a:sym typeface="Wingdings" panose="05000000000000000000" pitchFamily="2" charset="2"/>
-              </a:rPr>
-              <a:t> $s3	d  $s4</a:t>
-            </a:r>
-            <a:endParaRPr lang="en-SG" sz="1600">
-              <a:latin typeface="AndesNeue Alt 2 Book" panose="00000500000000000000" pitchFamily="2" charset="0"/>
-            </a:endParaRPr>
-          </a:p>
-        </p:txBody>
-      </p:sp>
-      <p:sp>
-        <p:nvSpPr>
-          <p:cNvPr id="4" name="TextBox 3">
-            <a:extLst>
-              <a:ext uri="{FF2B5EF4-FFF2-40B4-BE49-F238E27FC236}">
-                <a16:creationId xmlns:a16="http://schemas.microsoft.com/office/drawing/2014/main" id="{E9F23FD7-6B03-B25D-2C6E-438325DDB8F9}"/>
-              </a:ext>
-            </a:extLst>
-          </p:cNvPr>
-          <p:cNvSpPr txBox="1"/>
-          <p:nvPr/>
-        </p:nvSpPr>
-        <p:spPr>
-          <a:xfrm>
-            <a:off x="838200" y="3839386"/>
-            <a:ext cx="3456561" cy="584775"/>
-          </a:xfrm>
-          <a:prstGeom prst="rect">
-            <a:avLst/>
-          </a:prstGeom>
-          <a:noFill/>
-          <a:ln>
-            <a:solidFill>
-              <a:schemeClr val="tx1"/>
-            </a:solidFill>
-          </a:ln>
-        </p:spPr>
-        <p:txBody>
-          <a:bodyPr wrap="square" rtlCol="0">
-            <a:spAutoFit/>
-          </a:bodyPr>
-          <a:lstStyle/>
-          <a:p>
-            <a:r>
-              <a:rPr lang="en-SG" sz="1600">
-                <a:latin typeface="AndesNeue Alt 2 Book" panose="00000500000000000000" pitchFamily="2" charset="0"/>
-              </a:rPr>
-              <a:t>To think about:</a:t>
-            </a:r>
-            <a:br>
-              <a:rPr lang="en-SG" sz="1600">
-                <a:latin typeface="AndesNeue Alt 2 Book" panose="00000500000000000000" pitchFamily="2" charset="0"/>
-              </a:rPr>
-            </a:br>
-            <a:r>
-              <a:rPr lang="en-SG" sz="1600">
-                <a:latin typeface="AndesNeue Alt 2 Book" panose="00000500000000000000" pitchFamily="2" charset="0"/>
-              </a:rPr>
-              <a:t>Why do we not need to zero $s3?</a:t>
-            </a:r>
-          </a:p>
-        </p:txBody>
-      </p:sp>
-      <p:sp>
-        <p:nvSpPr>
-          <p:cNvPr id="5" name="TextBox 4">
-            <a:extLst>
-              <a:ext uri="{FF2B5EF4-FFF2-40B4-BE49-F238E27FC236}">
-                <a16:creationId xmlns:a16="http://schemas.microsoft.com/office/drawing/2014/main" id="{10A4C40E-E057-20BA-4050-FD937015324E}"/>
-              </a:ext>
-            </a:extLst>
-          </p:cNvPr>
-          <p:cNvSpPr txBox="1"/>
-          <p:nvPr/>
-        </p:nvSpPr>
-        <p:spPr>
-          <a:xfrm>
-            <a:off x="838199" y="4559098"/>
-            <a:ext cx="3456561" cy="584775"/>
-          </a:xfrm>
-          <a:prstGeom prst="rect">
-            <a:avLst/>
-          </a:prstGeom>
-          <a:noFill/>
-          <a:ln>
-            <a:solidFill>
-              <a:schemeClr val="tx1"/>
-            </a:solidFill>
-          </a:ln>
-        </p:spPr>
-        <p:txBody>
-          <a:bodyPr wrap="square" rtlCol="0">
-            <a:spAutoFit/>
-          </a:bodyPr>
-          <a:lstStyle/>
-          <a:p>
-            <a:r>
-              <a:rPr lang="en-SG" sz="1600">
-                <a:latin typeface="AndesNeue Alt 2 Book" panose="00000500000000000000" pitchFamily="2" charset="0"/>
-              </a:rPr>
-              <a:t>To think about:</a:t>
-            </a:r>
-            <a:br>
-              <a:rPr lang="en-SG" sz="1600">
-                <a:latin typeface="AndesNeue Alt 2 Book" panose="00000500000000000000" pitchFamily="2" charset="0"/>
-              </a:rPr>
-            </a:br>
-            <a:r>
-              <a:rPr lang="en-SG" sz="1600">
-                <a:latin typeface="AndesNeue Alt 2 Book" panose="00000500000000000000" pitchFamily="2" charset="0"/>
-              </a:rPr>
-              <a:t>What operation(s) zeroes a register?</a:t>
-            </a:r>
-          </a:p>
-        </p:txBody>
-      </p:sp>
-    </p:spTree>
-    <p:extLst>
-      <p:ext uri="{BB962C8B-B14F-4D97-AF65-F5344CB8AC3E}">
-        <p14:creationId xmlns:p14="http://schemas.microsoft.com/office/powerpoint/2010/main" val="3596937373"/>
       </p:ext>
     </p:extLst>
   </p:cSld>
@@ -9334,7 +10562,7 @@
             </a:pPr>
             <a:r>
               <a:rPr lang="en-SG"/>
-              <a:t>c) c = 2b + a – 2</a:t>
+              <a:t>b) d = a + b – c</a:t>
             </a:r>
           </a:p>
           <a:p>
@@ -9353,7 +10581,7 @@
                 <a:ea typeface="Iosevka Extended" panose="02000509030000000004" pitchFamily="49" charset="0"/>
                 <a:cs typeface="Iosevka Extended" panose="02000509030000000004" pitchFamily="49" charset="0"/>
               </a:rPr>
-              <a:t>add 	$s2, $s1, $s1     (alt: sll $s2, $1, 1)</a:t>
+              <a:t>add $s3, $s0, $s1</a:t>
             </a:r>
           </a:p>
           <a:p>
@@ -9366,20 +10594,7 @@
                 <a:ea typeface="Iosevka Extended" panose="02000509030000000004" pitchFamily="49" charset="0"/>
                 <a:cs typeface="Iosevka Extended" panose="02000509030000000004" pitchFamily="49" charset="0"/>
               </a:rPr>
-              <a:t>addi $t0, $s0, -2</a:t>
-            </a:r>
-          </a:p>
-          <a:p>
-            <a:pPr marL="0" indent="0">
-              <a:buNone/>
-            </a:pPr>
-            <a:r>
-              <a:rPr lang="en-SG" sz="2400">
-                <a:latin typeface="Iosevka Extended" panose="02000509030000000004" pitchFamily="49" charset="0"/>
-                <a:ea typeface="Iosevka Extended" panose="02000509030000000004" pitchFamily="49" charset="0"/>
-                <a:cs typeface="Iosevka Extended" panose="02000509030000000004" pitchFamily="49" charset="0"/>
-              </a:rPr>
-              <a:t>add $s2, $s2, $t0</a:t>
+              <a:t>sub $s3, $s3, $s2</a:t>
             </a:r>
           </a:p>
         </p:txBody>
@@ -9514,7 +10729,7 @@
           <p:cNvPr id="4" name="TextBox 3">
             <a:extLst>
               <a:ext uri="{FF2B5EF4-FFF2-40B4-BE49-F238E27FC236}">
-                <a16:creationId xmlns:a16="http://schemas.microsoft.com/office/drawing/2014/main" id="{092BC95B-F9EE-1426-8461-056E100A1679}"/>
+                <a16:creationId xmlns:a16="http://schemas.microsoft.com/office/drawing/2014/main" id="{E9F23FD7-6B03-B25D-2C6E-438325DDB8F9}"/>
               </a:ext>
             </a:extLst>
           </p:cNvPr>
@@ -9523,8 +10738,8 @@
         </p:nvSpPr>
         <p:spPr>
           <a:xfrm>
-            <a:off x="935476" y="4491139"/>
-            <a:ext cx="8101520" cy="1569660"/>
+            <a:off x="838200" y="3839386"/>
+            <a:ext cx="3456561" cy="584775"/>
           </a:xfrm>
           <a:prstGeom prst="rect">
             <a:avLst/>
@@ -9546,7 +10761,7 @@
               <a:rPr lang="en-SG" sz="1600">
                 <a:latin typeface="AndesNeue Alt 2 Book" panose="00000500000000000000" pitchFamily="2" charset="0"/>
               </a:rPr>
-              <a:t>Bonus:</a:t>
+              <a:t>To think about:</a:t>
             </a:r>
             <a:br>
               <a:rPr lang="en-SG" sz="1600">
@@ -9557,47 +10772,60 @@
               <a:rPr lang="en-SG" sz="1600">
                 <a:latin typeface="AndesNeue Alt 2 Book" panose="00000500000000000000" pitchFamily="2" charset="0"/>
               </a:rPr>
-              <a:t>Why does this not work?</a:t>
-            </a:r>
-          </a:p>
+              <a:t>Why do we not need to zero $s3?</a:t>
+            </a:r>
+          </a:p>
+        </p:txBody>
+      </p:sp>
+      <p:sp>
+        <p:nvSpPr>
+          <p:cNvPr id="5" name="TextBox 4">
+            <a:extLst>
+              <a:ext uri="{FF2B5EF4-FFF2-40B4-BE49-F238E27FC236}">
+                <a16:creationId xmlns:a16="http://schemas.microsoft.com/office/drawing/2014/main" id="{10A4C40E-E057-20BA-4050-FD937015324E}"/>
+              </a:ext>
+            </a:extLst>
+          </p:cNvPr>
+          <p:cNvSpPr txBox="1"/>
+          <p:nvPr/>
+        </p:nvSpPr>
+        <p:spPr>
+          <a:xfrm>
+            <a:off x="838199" y="4559098"/>
+            <a:ext cx="3456561" cy="584775"/>
+          </a:xfrm>
+          <a:prstGeom prst="rect">
+            <a:avLst/>
+          </a:prstGeom>
+          <a:noFill/>
+          <a:ln>
+            <a:solidFill>
+              <a:schemeClr val="tx1"/>
+            </a:solidFill>
+          </a:ln>
+        </p:spPr>
+        <p:txBody>
+          <a:bodyPr wrap="square" rtlCol="0">
+            <a:spAutoFit/>
+          </a:bodyPr>
+          <a:lstStyle/>
           <a:p>
             <a:r>
               <a:rPr lang="en-SG" sz="1600">
-                <a:latin typeface="Iosevka Extended" panose="02000509030000000004" pitchFamily="49" charset="0"/>
-                <a:ea typeface="Iosevka Extended" panose="02000509030000000004" pitchFamily="49" charset="0"/>
-                <a:cs typeface="Iosevka Extended" panose="02000509030000000004" pitchFamily="49" charset="0"/>
-              </a:rPr>
-              <a:t>srl  $s2, $s0, 1	# c = a/2</a:t>
-            </a:r>
-          </a:p>
-          <a:p>
-            <a:r>
+                <a:latin typeface="AndesNeue Alt 2 Book" panose="00000500000000000000" pitchFamily="2" charset="0"/>
+              </a:rPr>
+              <a:t>To think about:</a:t>
+            </a:r>
+            <a:br>
               <a:rPr lang="en-SG" sz="1600">
-                <a:latin typeface="Iosevka Extended" panose="02000509030000000004" pitchFamily="49" charset="0"/>
-                <a:ea typeface="Iosevka Extended" panose="02000509030000000004" pitchFamily="49" charset="0"/>
-                <a:cs typeface="Iosevka Extended" panose="02000509030000000004" pitchFamily="49" charset="0"/>
-              </a:rPr>
-              <a:t>add  $s2, $s2, $s1	# c = a/2 + b</a:t>
-            </a:r>
-          </a:p>
-          <a:p>
+                <a:latin typeface="AndesNeue Alt 2 Book" panose="00000500000000000000" pitchFamily="2" charset="0"/>
+              </a:rPr>
+            </a:br>
             <a:r>
               <a:rPr lang="en-SG" sz="1600">
-                <a:latin typeface="Iosevka Extended" panose="02000509030000000004" pitchFamily="49" charset="0"/>
-                <a:ea typeface="Iosevka Extended" panose="02000509030000000004" pitchFamily="49" charset="0"/>
-                <a:cs typeface="Iosevka Extended" panose="02000509030000000004" pitchFamily="49" charset="0"/>
-              </a:rPr>
-              <a:t>addi $s2, $s2, -1	# c = a/2 + b -1</a:t>
-            </a:r>
-          </a:p>
-          <a:p>
-            <a:r>
-              <a:rPr lang="en-SG" sz="1600">
-                <a:latin typeface="Iosevka Extended" panose="02000509030000000004" pitchFamily="49" charset="0"/>
-                <a:ea typeface="Iosevka Extended" panose="02000509030000000004" pitchFamily="49" charset="0"/>
-                <a:cs typeface="Iosevka Extended" panose="02000509030000000004" pitchFamily="49" charset="0"/>
-              </a:rPr>
-              <a:t>sll  $s2, $1, 1	# c = (a/2 + b – 1) * 2</a:t>
+                <a:latin typeface="AndesNeue Alt 2 Book" panose="00000500000000000000" pitchFamily="2" charset="0"/>
+              </a:rPr>
+              <a:t>What operation(s) zeroes a register?</a:t>
             </a:r>
           </a:p>
         </p:txBody>
@@ -9605,7 +10833,7 @@
     </p:spTree>
     <p:extLst>
       <p:ext uri="{BB962C8B-B14F-4D97-AF65-F5344CB8AC3E}">
-        <p14:creationId xmlns:p14="http://schemas.microsoft.com/office/powerpoint/2010/main" val="2018204542"/>
+        <p14:creationId xmlns:p14="http://schemas.microsoft.com/office/powerpoint/2010/main" val="3596937373"/>
       </p:ext>
     </p:extLst>
   </p:cSld>
@@ -9820,7 +11048,7 @@
             </a:pPr>
             <a:r>
               <a:rPr lang="en-SG"/>
-              <a:t>d) 6a + 3 (b - 2c) = 3(2(a - c) + b)</a:t>
+              <a:t>c) c = 2b + a – 2</a:t>
             </a:r>
           </a:p>
           <a:p>
@@ -9839,7 +11067,7 @@
                 <a:ea typeface="Iosevka Extended" panose="02000509030000000004" pitchFamily="49" charset="0"/>
                 <a:cs typeface="Iosevka Extended" panose="02000509030000000004" pitchFamily="49" charset="0"/>
               </a:rPr>
-              <a:t>sub $t0, $s0, $s2	# t0 = a – c</a:t>
+              <a:t>add 	$s2, $s1, $s1     (alt: sll $s2, $s1, 1)</a:t>
             </a:r>
           </a:p>
           <a:p>
@@ -9852,7 +11080,7 @@
                 <a:ea typeface="Iosevka Extended" panose="02000509030000000004" pitchFamily="49" charset="0"/>
                 <a:cs typeface="Iosevka Extended" panose="02000509030000000004" pitchFamily="49" charset="0"/>
               </a:rPr>
-              <a:t>sll $t0, $t0, 1		# t0 = 2(a – c)</a:t>
+              <a:t>addi $t0, $s0, -2</a:t>
             </a:r>
           </a:p>
           <a:p>
@@ -9865,33 +11093,7 @@
                 <a:ea typeface="Iosevka Extended" panose="02000509030000000004" pitchFamily="49" charset="0"/>
                 <a:cs typeface="Iosevka Extended" panose="02000509030000000004" pitchFamily="49" charset="0"/>
               </a:rPr>
-              <a:t>add $t0, $t0, $s1	# t0 = 2(a - c) + b</a:t>
-            </a:r>
-          </a:p>
-          <a:p>
-            <a:pPr marL="0" indent="0">
-              <a:buNone/>
-            </a:pPr>
-            <a:r>
-              <a:rPr lang="en-SG" sz="2400">
-                <a:latin typeface="Iosevka Extended" panose="02000509030000000004" pitchFamily="49" charset="0"/>
-                <a:ea typeface="Iosevka Extended" panose="02000509030000000004" pitchFamily="49" charset="0"/>
-                <a:cs typeface="Iosevka Extended" panose="02000509030000000004" pitchFamily="49" charset="0"/>
-              </a:rPr>
-              <a:t>sll $t1, $t0, 2		# t1 = 4(2(a - c) + b)</a:t>
-            </a:r>
-          </a:p>
-          <a:p>
-            <a:pPr marL="0" indent="0">
-              <a:buNone/>
-            </a:pPr>
-            <a:r>
-              <a:rPr lang="en-SG" sz="2400">
-                <a:latin typeface="Iosevka Extended" panose="02000509030000000004" pitchFamily="49" charset="0"/>
-                <a:ea typeface="Iosevka Extended" panose="02000509030000000004" pitchFamily="49" charset="0"/>
-                <a:cs typeface="Iosevka Extended" panose="02000509030000000004" pitchFamily="49" charset="0"/>
-              </a:rPr>
-              <a:t>sub $s3, $t1, $t0	# d = 3(2(a – c) + b)</a:t>
+              <a:t>add $s2, $s2, $t0</a:t>
             </a:r>
           </a:p>
         </p:txBody>
@@ -10021,6 +11223,384 @@
           </a:p>
         </p:txBody>
       </p:sp>
+      <p:sp>
+        <p:nvSpPr>
+          <p:cNvPr id="4" name="TextBox 3">
+            <a:extLst>
+              <a:ext uri="{FF2B5EF4-FFF2-40B4-BE49-F238E27FC236}">
+                <a16:creationId xmlns:a16="http://schemas.microsoft.com/office/drawing/2014/main" id="{092BC95B-F9EE-1426-8461-056E100A1679}"/>
+              </a:ext>
+            </a:extLst>
+          </p:cNvPr>
+          <p:cNvSpPr txBox="1"/>
+          <p:nvPr/>
+        </p:nvSpPr>
+        <p:spPr>
+          <a:xfrm>
+            <a:off x="935476" y="4491139"/>
+            <a:ext cx="8101520" cy="1569660"/>
+          </a:xfrm>
+          <a:prstGeom prst="rect">
+            <a:avLst/>
+          </a:prstGeom>
+          <a:noFill/>
+          <a:ln>
+            <a:solidFill>
+              <a:schemeClr val="tx1"/>
+            </a:solidFill>
+          </a:ln>
+        </p:spPr>
+        <p:txBody>
+          <a:bodyPr wrap="square" rtlCol="0">
+            <a:spAutoFit/>
+          </a:bodyPr>
+          <a:lstStyle/>
+          <a:p>
+            <a:r>
+              <a:rPr lang="en-SG" sz="1600">
+                <a:latin typeface="AndesNeue Alt 2 Book" panose="00000500000000000000" pitchFamily="2" charset="0"/>
+              </a:rPr>
+              <a:t>Bonus:</a:t>
+            </a:r>
+            <a:br>
+              <a:rPr lang="en-SG" sz="1600">
+                <a:latin typeface="AndesNeue Alt 2 Book" panose="00000500000000000000" pitchFamily="2" charset="0"/>
+              </a:rPr>
+            </a:br>
+            <a:r>
+              <a:rPr lang="en-SG" sz="1600">
+                <a:latin typeface="AndesNeue Alt 2 Book" panose="00000500000000000000" pitchFamily="2" charset="0"/>
+              </a:rPr>
+              <a:t>Why does this not work?</a:t>
+            </a:r>
+          </a:p>
+          <a:p>
+            <a:r>
+              <a:rPr lang="en-SG" sz="1600">
+                <a:latin typeface="Iosevka Extended" panose="02000509030000000004" pitchFamily="49" charset="0"/>
+                <a:ea typeface="Iosevka Extended" panose="02000509030000000004" pitchFamily="49" charset="0"/>
+                <a:cs typeface="Iosevka Extended" panose="02000509030000000004" pitchFamily="49" charset="0"/>
+              </a:rPr>
+              <a:t>srl  $s2, $s0, 1	# c = a/2</a:t>
+            </a:r>
+          </a:p>
+          <a:p>
+            <a:r>
+              <a:rPr lang="en-SG" sz="1600">
+                <a:latin typeface="Iosevka Extended" panose="02000509030000000004" pitchFamily="49" charset="0"/>
+                <a:ea typeface="Iosevka Extended" panose="02000509030000000004" pitchFamily="49" charset="0"/>
+                <a:cs typeface="Iosevka Extended" panose="02000509030000000004" pitchFamily="49" charset="0"/>
+              </a:rPr>
+              <a:t>add  $s2, $s2, $s1	# c = a/2 + b</a:t>
+            </a:r>
+          </a:p>
+          <a:p>
+            <a:r>
+              <a:rPr lang="en-SG" sz="1600">
+                <a:latin typeface="Iosevka Extended" panose="02000509030000000004" pitchFamily="49" charset="0"/>
+                <a:ea typeface="Iosevka Extended" panose="02000509030000000004" pitchFamily="49" charset="0"/>
+                <a:cs typeface="Iosevka Extended" panose="02000509030000000004" pitchFamily="49" charset="0"/>
+              </a:rPr>
+              <a:t>addi $s2, $s2, -1	# c = a/2 + b -1</a:t>
+            </a:r>
+          </a:p>
+          <a:p>
+            <a:r>
+              <a:rPr lang="en-SG" sz="1600">
+                <a:latin typeface="Iosevka Extended" panose="02000509030000000004" pitchFamily="49" charset="0"/>
+                <a:ea typeface="Iosevka Extended" panose="02000509030000000004" pitchFamily="49" charset="0"/>
+                <a:cs typeface="Iosevka Extended" panose="02000509030000000004" pitchFamily="49" charset="0"/>
+              </a:rPr>
+              <a:t>sll  $s2, $1, 1	# c = (a/2 + b – 1) * 2</a:t>
+            </a:r>
+          </a:p>
+        </p:txBody>
+      </p:sp>
+    </p:spTree>
+    <p:extLst>
+      <p:ext uri="{BB962C8B-B14F-4D97-AF65-F5344CB8AC3E}">
+        <p14:creationId xmlns:p14="http://schemas.microsoft.com/office/powerpoint/2010/main" val="2018204542"/>
+      </p:ext>
+    </p:extLst>
+  </p:cSld>
+  <p:clrMapOvr>
+    <a:masterClrMapping/>
+  </p:clrMapOvr>
+</p:sld>
+</file>
+
+<file path=ppt/slides/slide21.xml><?xml version="1.0" encoding="utf-8"?>
+<p:sld xmlns:a="http://schemas.openxmlformats.org/drawingml/2006/main" xmlns:r="http://schemas.openxmlformats.org/officeDocument/2006/relationships" xmlns:p="http://schemas.openxmlformats.org/presentationml/2006/main">
+  <p:cSld>
+    <p:spTree>
+      <p:nvGrpSpPr>
+        <p:cNvPr id="1" name=""/>
+        <p:cNvGrpSpPr/>
+        <p:nvPr/>
+      </p:nvGrpSpPr>
+      <p:grpSpPr>
+        <a:xfrm>
+          <a:off x="0" y="0"/>
+          <a:ext cx="0" cy="0"/>
+          <a:chOff x="0" y="0"/>
+          <a:chExt cx="0" cy="0"/>
+        </a:xfrm>
+      </p:grpSpPr>
+      <p:sp>
+        <p:nvSpPr>
+          <p:cNvPr id="2" name="Title 1">
+            <a:extLst>
+              <a:ext uri="{FF2B5EF4-FFF2-40B4-BE49-F238E27FC236}">
+                <a16:creationId xmlns:a16="http://schemas.microsoft.com/office/drawing/2014/main" id="{76673799-3271-354D-44CC-45EB6A0D29BF}"/>
+              </a:ext>
+            </a:extLst>
+          </p:cNvPr>
+          <p:cNvSpPr>
+            <a:spLocks noGrp="1"/>
+          </p:cNvSpPr>
+          <p:nvPr>
+            <p:ph type="title"/>
+          </p:nvPr>
+        </p:nvSpPr>
+        <p:spPr/>
+        <p:txBody>
+          <a:bodyPr/>
+          <a:lstStyle/>
+          <a:p>
+            <a:r>
+              <a:rPr lang="en-SG"/>
+              <a:t>Q3. MIPS Arithmetic</a:t>
+            </a:r>
+          </a:p>
+        </p:txBody>
+      </p:sp>
+      <p:sp>
+        <p:nvSpPr>
+          <p:cNvPr id="3" name="Content Placeholder 2">
+            <a:extLst>
+              <a:ext uri="{FF2B5EF4-FFF2-40B4-BE49-F238E27FC236}">
+                <a16:creationId xmlns:a16="http://schemas.microsoft.com/office/drawing/2014/main" id="{3BAC4D37-FB20-9972-7FEA-2C6266DA64AD}"/>
+              </a:ext>
+            </a:extLst>
+          </p:cNvPr>
+          <p:cNvSpPr>
+            <a:spLocks noGrp="1"/>
+          </p:cNvSpPr>
+          <p:nvPr>
+            <p:ph idx="1"/>
+          </p:nvPr>
+        </p:nvSpPr>
+        <p:spPr/>
+        <p:txBody>
+          <a:bodyPr/>
+          <a:lstStyle/>
+          <a:p>
+            <a:pPr marL="0" indent="0">
+              <a:buNone/>
+            </a:pPr>
+            <a:r>
+              <a:rPr lang="en-SG"/>
+              <a:t>d) 6a + 3 (b - 2c) = 3(2(a - c) + b)</a:t>
+            </a:r>
+          </a:p>
+          <a:p>
+            <a:pPr marL="0" indent="0">
+              <a:buNone/>
+            </a:pPr>
+            <a:endParaRPr lang="en-SG"/>
+          </a:p>
+          <a:p>
+            <a:pPr marL="0" indent="0">
+              <a:buNone/>
+            </a:pPr>
+            <a:r>
+              <a:rPr lang="en-SG" sz="2400">
+                <a:latin typeface="Iosevka Extended" panose="02000509030000000004" pitchFamily="49" charset="0"/>
+                <a:ea typeface="Iosevka Extended" panose="02000509030000000004" pitchFamily="49" charset="0"/>
+                <a:cs typeface="Iosevka Extended" panose="02000509030000000004" pitchFamily="49" charset="0"/>
+              </a:rPr>
+              <a:t>sub $t0, $s0, $s2	# t0 = a – c</a:t>
+            </a:r>
+          </a:p>
+          <a:p>
+            <a:pPr marL="0" indent="0">
+              <a:buNone/>
+            </a:pPr>
+            <a:r>
+              <a:rPr lang="en-SG" sz="2400">
+                <a:latin typeface="Iosevka Extended" panose="02000509030000000004" pitchFamily="49" charset="0"/>
+                <a:ea typeface="Iosevka Extended" panose="02000509030000000004" pitchFamily="49" charset="0"/>
+                <a:cs typeface="Iosevka Extended" panose="02000509030000000004" pitchFamily="49" charset="0"/>
+              </a:rPr>
+              <a:t>sll $t0, $t0, 1		# t0 = 2(a – c)</a:t>
+            </a:r>
+          </a:p>
+          <a:p>
+            <a:pPr marL="0" indent="0">
+              <a:buNone/>
+            </a:pPr>
+            <a:r>
+              <a:rPr lang="en-SG" sz="2400">
+                <a:latin typeface="Iosevka Extended" panose="02000509030000000004" pitchFamily="49" charset="0"/>
+                <a:ea typeface="Iosevka Extended" panose="02000509030000000004" pitchFamily="49" charset="0"/>
+                <a:cs typeface="Iosevka Extended" panose="02000509030000000004" pitchFamily="49" charset="0"/>
+              </a:rPr>
+              <a:t>add $t0, $t0, $s1	# t0 = 2(a - c) + b</a:t>
+            </a:r>
+          </a:p>
+          <a:p>
+            <a:pPr marL="0" indent="0">
+              <a:buNone/>
+            </a:pPr>
+            <a:r>
+              <a:rPr lang="en-SG" sz="2400">
+                <a:latin typeface="Iosevka Extended" panose="02000509030000000004" pitchFamily="49" charset="0"/>
+                <a:ea typeface="Iosevka Extended" panose="02000509030000000004" pitchFamily="49" charset="0"/>
+                <a:cs typeface="Iosevka Extended" panose="02000509030000000004" pitchFamily="49" charset="0"/>
+              </a:rPr>
+              <a:t>sll $t1, $t0, 2		# t1 = 4(2(a - c) + b)</a:t>
+            </a:r>
+          </a:p>
+          <a:p>
+            <a:pPr marL="0" indent="0">
+              <a:buNone/>
+            </a:pPr>
+            <a:r>
+              <a:rPr lang="en-SG" sz="2400">
+                <a:latin typeface="Iosevka Extended" panose="02000509030000000004" pitchFamily="49" charset="0"/>
+                <a:ea typeface="Iosevka Extended" panose="02000509030000000004" pitchFamily="49" charset="0"/>
+                <a:cs typeface="Iosevka Extended" panose="02000509030000000004" pitchFamily="49" charset="0"/>
+              </a:rPr>
+              <a:t>sub $s3, $t1, $t0	# d = 3(2(a – c) + b)</a:t>
+            </a:r>
+          </a:p>
+        </p:txBody>
+      </p:sp>
+      <p:sp>
+        <p:nvSpPr>
+          <p:cNvPr id="6" name="TextBox 5">
+            <a:extLst>
+              <a:ext uri="{FF2B5EF4-FFF2-40B4-BE49-F238E27FC236}">
+                <a16:creationId xmlns:a16="http://schemas.microsoft.com/office/drawing/2014/main" id="{203E7997-2341-8E38-E79E-BA954D780C44}"/>
+              </a:ext>
+            </a:extLst>
+          </p:cNvPr>
+          <p:cNvSpPr txBox="1"/>
+          <p:nvPr/>
+        </p:nvSpPr>
+        <p:spPr>
+          <a:xfrm>
+            <a:off x="8853791" y="681138"/>
+            <a:ext cx="2500009" cy="830997"/>
+          </a:xfrm>
+          <a:prstGeom prst="rect">
+            <a:avLst/>
+          </a:prstGeom>
+          <a:solidFill>
+            <a:schemeClr val="accent2">
+              <a:lumMod val="20000"/>
+              <a:lumOff val="80000"/>
+            </a:schemeClr>
+          </a:solidFill>
+          <a:ln>
+            <a:solidFill>
+              <a:schemeClr val="tx1"/>
+            </a:solidFill>
+          </a:ln>
+        </p:spPr>
+        <p:txBody>
+          <a:bodyPr wrap="square" rtlCol="0">
+            <a:spAutoFit/>
+          </a:bodyPr>
+          <a:lstStyle/>
+          <a:p>
+            <a:r>
+              <a:rPr lang="en-SG" sz="1600">
+                <a:latin typeface="AndesNeue Alt 2 Book" panose="00000500000000000000" pitchFamily="2" charset="0"/>
+              </a:rPr>
+              <a:t>Important:</a:t>
+            </a:r>
+            <a:br>
+              <a:rPr lang="en-SG" sz="1600">
+                <a:latin typeface="AndesNeue Alt 2 Book" panose="00000500000000000000" pitchFamily="2" charset="0"/>
+              </a:rPr>
+            </a:br>
+            <a:r>
+              <a:rPr lang="en-SG" sz="1600">
+                <a:latin typeface="AndesNeue Alt 2 Book" panose="00000500000000000000" pitchFamily="2" charset="0"/>
+              </a:rPr>
+              <a:t>Note the “as few instructions as possible”</a:t>
+            </a:r>
+          </a:p>
+        </p:txBody>
+      </p:sp>
+      <p:sp>
+        <p:nvSpPr>
+          <p:cNvPr id="7" name="TextBox 6">
+            <a:extLst>
+              <a:ext uri="{FF2B5EF4-FFF2-40B4-BE49-F238E27FC236}">
+                <a16:creationId xmlns:a16="http://schemas.microsoft.com/office/drawing/2014/main" id="{AE5AAB65-2EAD-0BE8-EB78-CA33D2225DA4}"/>
+              </a:ext>
+            </a:extLst>
+          </p:cNvPr>
+          <p:cNvSpPr txBox="1"/>
+          <p:nvPr/>
+        </p:nvSpPr>
+        <p:spPr>
+          <a:xfrm>
+            <a:off x="9328826" y="1825625"/>
+            <a:ext cx="2024974" cy="584775"/>
+          </a:xfrm>
+          <a:prstGeom prst="rect">
+            <a:avLst/>
+          </a:prstGeom>
+          <a:noFill/>
+          <a:ln>
+            <a:solidFill>
+              <a:schemeClr val="tx1"/>
+            </a:solidFill>
+          </a:ln>
+        </p:spPr>
+        <p:txBody>
+          <a:bodyPr wrap="square" rtlCol="0">
+            <a:spAutoFit/>
+          </a:bodyPr>
+          <a:lstStyle/>
+          <a:p>
+            <a:r>
+              <a:rPr lang="en-SG" sz="1600">
+                <a:latin typeface="AndesNeue Alt 2 Book" panose="00000500000000000000" pitchFamily="2" charset="0"/>
+              </a:rPr>
+              <a:t>a </a:t>
+            </a:r>
+            <a:r>
+              <a:rPr lang="en-SG" sz="1600">
+                <a:latin typeface="AndesNeue Alt 2 Book" panose="00000500000000000000" pitchFamily="2" charset="0"/>
+                <a:sym typeface="Wingdings" panose="05000000000000000000" pitchFamily="2" charset="2"/>
+              </a:rPr>
+              <a:t> $s0	b  $s2</a:t>
+            </a:r>
+          </a:p>
+          <a:p>
+            <a:r>
+              <a:rPr lang="en-SG" sz="1600">
+                <a:latin typeface="AndesNeue Alt 2 Book" panose="00000500000000000000" pitchFamily="2" charset="0"/>
+              </a:rPr>
+              <a:t>c </a:t>
+            </a:r>
+            <a:r>
+              <a:rPr lang="en-SG" sz="1600">
+                <a:latin typeface="AndesNeue Alt 2 Book" panose="00000500000000000000" pitchFamily="2" charset="0"/>
+                <a:sym typeface="Wingdings" panose="05000000000000000000" pitchFamily="2" charset="2"/>
+              </a:rPr>
+              <a:t> $s3	d  $s4</a:t>
+            </a:r>
+            <a:endParaRPr lang="en-SG" sz="1600">
+              <a:latin typeface="AndesNeue Alt 2 Book" panose="00000500000000000000" pitchFamily="2" charset="0"/>
+            </a:endParaRPr>
+          </a:p>
+        </p:txBody>
+      </p:sp>
     </p:spTree>
     <p:extLst>
       <p:ext uri="{BB962C8B-B14F-4D97-AF65-F5344CB8AC3E}">
@@ -10034,7 +11614,93 @@
 </p:sld>
 </file>
 
-<file path=ppt/slides/slide21.xml><?xml version="1.0" encoding="utf-8"?>
+<file path=ppt/slides/slide22.xml><?xml version="1.0" encoding="utf-8"?>
+<p:sld xmlns:a="http://schemas.openxmlformats.org/drawingml/2006/main" xmlns:r="http://schemas.openxmlformats.org/officeDocument/2006/relationships" xmlns:p="http://schemas.openxmlformats.org/presentationml/2006/main">
+  <p:cSld>
+    <p:spTree>
+      <p:nvGrpSpPr>
+        <p:cNvPr id="1" name=""/>
+        <p:cNvGrpSpPr/>
+        <p:nvPr/>
+      </p:nvGrpSpPr>
+      <p:grpSpPr>
+        <a:xfrm>
+          <a:off x="0" y="0"/>
+          <a:ext cx="0" cy="0"/>
+          <a:chOff x="0" y="0"/>
+          <a:chExt cx="0" cy="0"/>
+        </a:xfrm>
+      </p:grpSpPr>
+      <p:sp>
+        <p:nvSpPr>
+          <p:cNvPr id="4" name="Title 3">
+            <a:extLst>
+              <a:ext uri="{FF2B5EF4-FFF2-40B4-BE49-F238E27FC236}">
+                <a16:creationId xmlns:a16="http://schemas.microsoft.com/office/drawing/2014/main" id="{3603A23F-4E0C-0FF0-47C3-99C05FB8F2E9}"/>
+              </a:ext>
+            </a:extLst>
+          </p:cNvPr>
+          <p:cNvSpPr>
+            <a:spLocks noGrp="1"/>
+          </p:cNvSpPr>
+          <p:nvPr>
+            <p:ph type="title"/>
+          </p:nvPr>
+        </p:nvSpPr>
+        <p:spPr/>
+        <p:txBody>
+          <a:bodyPr/>
+          <a:lstStyle/>
+          <a:p>
+            <a:r>
+              <a:rPr lang="en-SG"/>
+              <a:t>Break</a:t>
+            </a:r>
+          </a:p>
+        </p:txBody>
+      </p:sp>
+      <p:sp>
+        <p:nvSpPr>
+          <p:cNvPr id="5" name="Text Placeholder 4">
+            <a:extLst>
+              <a:ext uri="{FF2B5EF4-FFF2-40B4-BE49-F238E27FC236}">
+                <a16:creationId xmlns:a16="http://schemas.microsoft.com/office/drawing/2014/main" id="{ED3A1879-EAE3-0601-C8B5-9CD7638C0E80}"/>
+              </a:ext>
+            </a:extLst>
+          </p:cNvPr>
+          <p:cNvSpPr>
+            <a:spLocks noGrp="1"/>
+          </p:cNvSpPr>
+          <p:nvPr>
+            <p:ph type="body" idx="1"/>
+          </p:nvPr>
+        </p:nvSpPr>
+        <p:spPr/>
+        <p:txBody>
+          <a:bodyPr/>
+          <a:lstStyle/>
+          <a:p>
+            <a:r>
+              <a:rPr lang="en-SG"/>
+              <a:t>Attendance taking</a:t>
+            </a:r>
+          </a:p>
+        </p:txBody>
+      </p:sp>
+    </p:spTree>
+    <p:extLst>
+      <p:ext uri="{BB962C8B-B14F-4D97-AF65-F5344CB8AC3E}">
+        <p14:creationId xmlns:p14="http://schemas.microsoft.com/office/powerpoint/2010/main" val="2064162429"/>
+      </p:ext>
+    </p:extLst>
+  </p:cSld>
+  <p:clrMapOvr>
+    <a:masterClrMapping/>
+  </p:clrMapOvr>
+</p:sld>
+</file>
+
+<file path=ppt/slides/slide23.xml><?xml version="1.0" encoding="utf-8"?>
 <p:sld xmlns:a="http://schemas.openxmlformats.org/drawingml/2006/main" xmlns:r="http://schemas.openxmlformats.org/officeDocument/2006/relationships" xmlns:p="http://schemas.openxmlformats.org/presentationml/2006/main">
   <p:cSld>
     <p:spTree>
@@ -10666,6 +12332,201 @@
           </a:p>
         </p:txBody>
       </p:sp>
+      <p:graphicFrame>
+        <p:nvGraphicFramePr>
+          <p:cNvPr id="4" name="Table 3">
+            <a:extLst>
+              <a:ext uri="{FF2B5EF4-FFF2-40B4-BE49-F238E27FC236}">
+                <a16:creationId xmlns:a16="http://schemas.microsoft.com/office/drawing/2014/main" id="{B319EB67-1D01-ADDF-83DD-145FA7507212}"/>
+              </a:ext>
+            </a:extLst>
+          </p:cNvPr>
+          <p:cNvGraphicFramePr>
+            <a:graphicFrameLocks noGrp="1"/>
+          </p:cNvGraphicFramePr>
+          <p:nvPr>
+            <p:extLst>
+              <p:ext uri="{D42A27DB-BD31-4B8C-83A1-F6EECF244321}">
+                <p14:modId xmlns:p14="http://schemas.microsoft.com/office/powerpoint/2010/main" val="242470885"/>
+              </p:ext>
+            </p:extLst>
+          </p:nvPr>
+        </p:nvGraphicFramePr>
+        <p:xfrm>
+          <a:off x="8559259" y="124777"/>
+          <a:ext cx="3289029" cy="1112520"/>
+        </p:xfrm>
+        <a:graphic>
+          <a:graphicData uri="http://schemas.openxmlformats.org/drawingml/2006/table">
+            <a:tbl>
+              <a:tblPr firstRow="1" bandRow="1">
+                <a:tableStyleId>{5940675A-B579-460E-94D1-54222C63F5DA}</a:tableStyleId>
+              </a:tblPr>
+              <a:tblGrid>
+                <a:gridCol w="633378">
+                  <a:extLst>
+                    <a:ext uri="{9D8B030D-6E8A-4147-A177-3AD203B41FA5}">
+                      <a16:colId xmlns:a16="http://schemas.microsoft.com/office/drawing/2014/main" val="2638310562"/>
+                    </a:ext>
+                  </a:extLst>
+                </a:gridCol>
+                <a:gridCol w="612843">
+                  <a:extLst>
+                    <a:ext uri="{9D8B030D-6E8A-4147-A177-3AD203B41FA5}">
+                      <a16:colId xmlns:a16="http://schemas.microsoft.com/office/drawing/2014/main" val="2811057886"/>
+                    </a:ext>
+                  </a:extLst>
+                </a:gridCol>
+                <a:gridCol w="2042808">
+                  <a:extLst>
+                    <a:ext uri="{9D8B030D-6E8A-4147-A177-3AD203B41FA5}">
+                      <a16:colId xmlns:a16="http://schemas.microsoft.com/office/drawing/2014/main" val="586874216"/>
+                    </a:ext>
+                  </a:extLst>
+                </a:gridCol>
+              </a:tblGrid>
+              <a:tr h="370840">
+                <a:tc>
+                  <a:txBody>
+                    <a:bodyPr/>
+                    <a:lstStyle/>
+                    <a:p>
+                      <a:r>
+                        <a:rPr lang="en-SG" b="1"/>
+                        <a:t>A</a:t>
+                      </a:r>
+                    </a:p>
+                  </a:txBody>
+                  <a:tcPr/>
+                </a:tc>
+                <a:tc>
+                  <a:txBody>
+                    <a:bodyPr/>
+                    <a:lstStyle/>
+                    <a:p>
+                      <a:r>
+                        <a:rPr lang="en-SG" b="1"/>
+                        <a:t>B</a:t>
+                      </a:r>
+                    </a:p>
+                  </a:txBody>
+                  <a:tcPr/>
+                </a:tc>
+                <a:tc>
+                  <a:txBody>
+                    <a:bodyPr/>
+                    <a:lstStyle/>
+                    <a:p>
+                      <a:r>
+                        <a:rPr lang="en-SG" b="1"/>
+                        <a:t>A XOR B</a:t>
+                      </a:r>
+                    </a:p>
+                  </a:txBody>
+                  <a:tcPr/>
+                </a:tc>
+                <a:extLst>
+                  <a:ext uri="{0D108BD9-81ED-4DB2-BD59-A6C34878D82A}">
+                    <a16:rowId xmlns:a16="http://schemas.microsoft.com/office/drawing/2014/main" val="115644164"/>
+                  </a:ext>
+                </a:extLst>
+              </a:tr>
+              <a:tr h="370840">
+                <a:tc>
+                  <a:txBody>
+                    <a:bodyPr/>
+                    <a:lstStyle/>
+                    <a:p>
+                      <a:r>
+                        <a:rPr lang="en-SG"/>
+                        <a:t>0/1</a:t>
+                      </a:r>
+                    </a:p>
+                  </a:txBody>
+                  <a:tcPr/>
+                </a:tc>
+                <a:tc>
+                  <a:txBody>
+                    <a:bodyPr/>
+                    <a:lstStyle/>
+                    <a:p>
+                      <a:r>
+                        <a:rPr lang="en-SG"/>
+                        <a:t>0</a:t>
+                      </a:r>
+                    </a:p>
+                  </a:txBody>
+                  <a:tcPr/>
+                </a:tc>
+                <a:tc>
+                  <a:txBody>
+                    <a:bodyPr/>
+                    <a:lstStyle/>
+                    <a:p>
+                      <a:r>
+                        <a:rPr lang="en-SG"/>
+                        <a:t>0/1 (unchanged)</a:t>
+                      </a:r>
+                    </a:p>
+                  </a:txBody>
+                  <a:tcPr/>
+                </a:tc>
+                <a:extLst>
+                  <a:ext uri="{0D108BD9-81ED-4DB2-BD59-A6C34878D82A}">
+                    <a16:rowId xmlns:a16="http://schemas.microsoft.com/office/drawing/2014/main" val="4263293354"/>
+                  </a:ext>
+                </a:extLst>
+              </a:tr>
+              <a:tr h="370840">
+                <a:tc>
+                  <a:txBody>
+                    <a:bodyPr/>
+                    <a:lstStyle/>
+                    <a:p>
+                      <a:r>
+                        <a:rPr lang="en-SG"/>
+                        <a:t>0/1</a:t>
+                      </a:r>
+                    </a:p>
+                  </a:txBody>
+                  <a:tcPr/>
+                </a:tc>
+                <a:tc>
+                  <a:txBody>
+                    <a:bodyPr/>
+                    <a:lstStyle/>
+                    <a:p>
+                      <a:r>
+                        <a:rPr lang="en-SG"/>
+                        <a:t>1</a:t>
+                      </a:r>
+                    </a:p>
+                  </a:txBody>
+                  <a:tcPr/>
+                </a:tc>
+                <a:tc>
+                  <a:txBody>
+                    <a:bodyPr/>
+                    <a:lstStyle/>
+                    <a:p>
+                      <a:r>
+                        <a:rPr lang="en-SG"/>
+                        <a:t>1/0 (flipped)</a:t>
+                      </a:r>
+                    </a:p>
+                  </a:txBody>
+                  <a:tcPr/>
+                </a:tc>
+                <a:extLst>
+                  <a:ext uri="{0D108BD9-81ED-4DB2-BD59-A6C34878D82A}">
+                    <a16:rowId xmlns:a16="http://schemas.microsoft.com/office/drawing/2014/main" val="4168833938"/>
+                  </a:ext>
+                </a:extLst>
+              </a:tr>
+            </a:tbl>
+          </a:graphicData>
+        </a:graphic>
+      </p:graphicFrame>
     </p:spTree>
     <p:extLst>
       <p:ext uri="{BB962C8B-B14F-4D97-AF65-F5344CB8AC3E}">
@@ -10679,7 +12540,7 @@
 </p:sld>
 </file>
 
-<file path=ppt/slides/slide22.xml><?xml version="1.0" encoding="utf-8"?>
+<file path=ppt/slides/slide24.xml><?xml version="1.0" encoding="utf-8"?>
 <p:sld xmlns:a="http://schemas.openxmlformats.org/drawingml/2006/main" xmlns:r="http://schemas.openxmlformats.org/officeDocument/2006/relationships" xmlns:p="http://schemas.openxmlformats.org/presentationml/2006/main">
   <p:cSld>
     <p:spTree>
@@ -13067,7 +14928,7 @@
                 <a:ea typeface="Iosevka Extended" panose="02000509030000000004" pitchFamily="49" charset="0"/>
                 <a:cs typeface="Iosevka Extended" panose="02000509030000000004" pitchFamily="49" charset="0"/>
               </a:rPr>
-              <a:t>1</a:t>
+              <a:t>0</a:t>
             </a:r>
             <a:r>
               <a:rPr lang="en-SG">
@@ -13225,19 +15086,7 @@
             </a:pPr>
             <a:r>
               <a:rPr lang="en-SG"/>
-              <a:t>Get everything but bits 1, 3, 7 from a (say to </a:t>
-            </a:r>
-            <a:r>
-              <a:rPr lang="en-SG" sz="2400">
-                <a:latin typeface="Iosevka Extended" panose="02000509030000000004" pitchFamily="49" charset="0"/>
-                <a:ea typeface="Iosevka Extended" panose="02000509030000000004" pitchFamily="49" charset="0"/>
-                <a:cs typeface="Iosevka Extended" panose="02000509030000000004" pitchFamily="49" charset="0"/>
-              </a:rPr>
-              <a:t>$t1</a:t>
-            </a:r>
-            <a:r>
-              <a:rPr lang="en-SG"/>
-              <a:t>)</a:t>
+              <a:t>Clear bits 1, 3, 7 from a</a:t>
             </a:r>
           </a:p>
           <a:p>
@@ -13254,7 +15103,7 @@
                 <a:ea typeface="Iosevka Extended" panose="02000509030000000004" pitchFamily="49" charset="0"/>
                 <a:cs typeface="Iosevka Extended" panose="02000509030000000004" pitchFamily="49" charset="0"/>
               </a:rPr>
-              <a:t>$t0 OR $t1</a:t>
+              <a:t>$t0 OR $s0</a:t>
             </a:r>
           </a:p>
           <a:p>

--- a/CS2100/CS2100 Tutorial 2.pptx
+++ b/CS2100/CS2100 Tutorial 2.pptx
@@ -220,7 +220,7 @@
           <a:p>
             <a:fld id="{88602102-26BC-4ECA-9243-6BB9B8BC366F}" type="datetimeFigureOut">
               <a:rPr lang="en-US" smtClean="0"/>
-              <a:t>9/5/2024</a:t>
+              <a:t>9/6/2024</a:t>
             </a:fld>
             <a:endParaRPr lang="en-US"/>
           </a:p>
@@ -1478,7 +1478,7 @@
           <a:p>
             <a:fld id="{6CCF18BA-79E2-4428-BC0A-399EA0551CA6}" type="datetimeFigureOut">
               <a:rPr lang="en-US" smtClean="0"/>
-              <a:t>9/5/2024</a:t>
+              <a:t>9/6/2024</a:t>
             </a:fld>
             <a:endParaRPr lang="en-US"/>
           </a:p>
@@ -1708,7 +1708,7 @@
           <a:p>
             <a:fld id="{6CCF18BA-79E2-4428-BC0A-399EA0551CA6}" type="datetimeFigureOut">
               <a:rPr lang="en-US" smtClean="0"/>
-              <a:t>9/5/2024</a:t>
+              <a:t>9/6/2024</a:t>
             </a:fld>
             <a:endParaRPr lang="en-US"/>
           </a:p>
@@ -1948,7 +1948,7 @@
           <a:p>
             <a:fld id="{6CCF18BA-79E2-4428-BC0A-399EA0551CA6}" type="datetimeFigureOut">
               <a:rPr lang="en-US" smtClean="0"/>
-              <a:t>9/5/2024</a:t>
+              <a:t>9/6/2024</a:t>
             </a:fld>
             <a:endParaRPr lang="en-US"/>
           </a:p>
@@ -2178,7 +2178,7 @@
           <a:p>
             <a:fld id="{6CCF18BA-79E2-4428-BC0A-399EA0551CA6}" type="datetimeFigureOut">
               <a:rPr lang="en-US" smtClean="0"/>
-              <a:t>9/5/2024</a:t>
+              <a:t>9/6/2024</a:t>
             </a:fld>
             <a:endParaRPr lang="en-US"/>
           </a:p>
@@ -2456,7 +2456,7 @@
           <a:p>
             <a:fld id="{6CCF18BA-79E2-4428-BC0A-399EA0551CA6}" type="datetimeFigureOut">
               <a:rPr lang="en-US" smtClean="0"/>
-              <a:t>9/5/2024</a:t>
+              <a:t>9/6/2024</a:t>
             </a:fld>
             <a:endParaRPr lang="en-US"/>
           </a:p>
@@ -2779,7 +2779,7 @@
           <a:p>
             <a:fld id="{6CCF18BA-79E2-4428-BC0A-399EA0551CA6}" type="datetimeFigureOut">
               <a:rPr lang="en-US" smtClean="0"/>
-              <a:t>9/5/2024</a:t>
+              <a:t>9/6/2024</a:t>
             </a:fld>
             <a:endParaRPr lang="en-US"/>
           </a:p>
@@ -3253,7 +3253,7 @@
           <a:p>
             <a:fld id="{6CCF18BA-79E2-4428-BC0A-399EA0551CA6}" type="datetimeFigureOut">
               <a:rPr lang="en-US" smtClean="0"/>
-              <a:t>9/5/2024</a:t>
+              <a:t>9/6/2024</a:t>
             </a:fld>
             <a:endParaRPr lang="en-US"/>
           </a:p>
@@ -3400,7 +3400,7 @@
           <a:p>
             <a:fld id="{6CCF18BA-79E2-4428-BC0A-399EA0551CA6}" type="datetimeFigureOut">
               <a:rPr lang="en-US" smtClean="0"/>
-              <a:t>9/5/2024</a:t>
+              <a:t>9/6/2024</a:t>
             </a:fld>
             <a:endParaRPr lang="en-US"/>
           </a:p>
@@ -3513,7 +3513,7 @@
           <a:p>
             <a:fld id="{6CCF18BA-79E2-4428-BC0A-399EA0551CA6}" type="datetimeFigureOut">
               <a:rPr lang="en-US" smtClean="0"/>
-              <a:t>9/5/2024</a:t>
+              <a:t>9/6/2024</a:t>
             </a:fld>
             <a:endParaRPr lang="en-US"/>
           </a:p>
@@ -3838,7 +3838,7 @@
           <a:p>
             <a:fld id="{6CCF18BA-79E2-4428-BC0A-399EA0551CA6}" type="datetimeFigureOut">
               <a:rPr lang="en-US" smtClean="0"/>
-              <a:t>9/5/2024</a:t>
+              <a:t>9/6/2024</a:t>
             </a:fld>
             <a:endParaRPr lang="en-US"/>
           </a:p>
@@ -4130,7 +4130,7 @@
           <a:p>
             <a:fld id="{6CCF18BA-79E2-4428-BC0A-399EA0551CA6}" type="datetimeFigureOut">
               <a:rPr lang="en-US" smtClean="0"/>
-              <a:t>9/5/2024</a:t>
+              <a:t>9/6/2024</a:t>
             </a:fld>
             <a:endParaRPr lang="en-US"/>
           </a:p>
@@ -4371,7 +4371,7 @@
           <a:p>
             <a:fld id="{6CCF18BA-79E2-4428-BC0A-399EA0551CA6}" type="datetimeFigureOut">
               <a:rPr lang="en-US" smtClean="0"/>
-              <a:t>9/5/2024</a:t>
+              <a:t>9/6/2024</a:t>
             </a:fld>
             <a:endParaRPr lang="en-US"/>
           </a:p>
@@ -4846,7 +4846,12 @@
             <p:ph type="subTitle" idx="1"/>
           </p:nvPr>
         </p:nvSpPr>
-        <p:spPr/>
+        <p:spPr>
+          <a:xfrm>
+            <a:off x="1524000" y="3602037"/>
+            <a:ext cx="9144000" cy="2387599"/>
+          </a:xfrm>
+        </p:spPr>
         <p:txBody>
           <a:bodyPr>
             <a:normAutofit/>
@@ -4891,12 +4896,27 @@
               </a:rPr>
               <a:t>(Any question before class just come forward; class starts on :05)</a:t>
             </a:r>
+            <a:br>
+              <a:rPr lang="en-US">
+                <a:solidFill>
+                  <a:schemeClr val="tx1">
+                    <a:lumMod val="95000"/>
+                    <a:lumOff val="5000"/>
+                  </a:schemeClr>
+                </a:solidFill>
+              </a:rPr>
+            </a:br>
+            <a:r>
+              <a:rPr lang="en-US">
+                <a:solidFill>
+                  <a:srgbClr val="C00000"/>
+                </a:solidFill>
+              </a:rPr>
+              <a:t>Take the MIPS sheet in front</a:t>
+            </a:r>
             <a:endParaRPr lang="en-US" dirty="0">
               <a:solidFill>
-                <a:schemeClr val="tx1">
-                  <a:lumMod val="95000"/>
-                  <a:lumOff val="5000"/>
-                </a:schemeClr>
+                <a:srgbClr val="C00000"/>
               </a:solidFill>
               <a:latin typeface="AndesNeue Alt 2 Book" panose="00000500000000000000" pitchFamily="2" charset="0"/>
             </a:endParaRPr>
@@ -6540,7 +6560,7 @@
                 <a:ea typeface="Iosevka Extended" panose="02000509030000000004" pitchFamily="49" charset="0"/>
                 <a:cs typeface="Iosevka Extended" panose="02000509030000000004" pitchFamily="49" charset="0"/>
               </a:rPr>
-              <a:t>$s1 	= … 1 </a:t>
+              <a:t>$s0 	= … 1 </a:t>
             </a:r>
             <a:r>
               <a:rPr lang="en-SG" sz="2400" u="sng">
@@ -6623,7 +6643,7 @@
                 <a:ea typeface="Iosevka Extended" panose="02000509030000000004" pitchFamily="49" charset="0"/>
                 <a:cs typeface="Iosevka Extended" panose="02000509030000000004" pitchFamily="49" charset="0"/>
               </a:rPr>
-              <a:t>$t1 	= … 1 </a:t>
+              <a:t>$s0 	= … 1 </a:t>
             </a:r>
             <a:r>
               <a:rPr lang="en-SG" sz="2400">
